--- a/Презентация для экзамена.pptx
+++ b/Презентация для экзамена.pptx
@@ -12,10 +12,14 @@
     <p:sldId id="262" r:id="rId6"/>
     <p:sldId id="272" r:id="rId7"/>
     <p:sldId id="273" r:id="rId8"/>
-    <p:sldId id="263" r:id="rId9"/>
-    <p:sldId id="264" r:id="rId10"/>
-    <p:sldId id="265" r:id="rId11"/>
-    <p:sldId id="271" r:id="rId12"/>
+    <p:sldId id="274" r:id="rId9"/>
+    <p:sldId id="263" r:id="rId10"/>
+    <p:sldId id="264" r:id="rId11"/>
+    <p:sldId id="275" r:id="rId12"/>
+    <p:sldId id="276" r:id="rId13"/>
+    <p:sldId id="277" r:id="rId14"/>
+    <p:sldId id="265" r:id="rId15"/>
+    <p:sldId id="271" r:id="rId16"/>
   </p:sldIdLst>
   <p:sldSz cx="12192000" cy="6858000"/>
   <p:notesSz cx="6858000" cy="9144000"/>
@@ -3604,8 +3608,8 @@
         </p:nvSpPr>
         <p:spPr>
           <a:xfrm>
-            <a:off x="838200" y="329426"/>
-            <a:ext cx="10515600" cy="626998"/>
+            <a:off x="2189195" y="163330"/>
+            <a:ext cx="7886698" cy="651995"/>
           </a:xfrm>
         </p:spPr>
         <p:txBody>
@@ -3616,12 +3620,8 @@
           <a:p>
             <a:pPr algn="ctr"/>
             <a:r>
-              <a:rPr lang="en-US" sz="3600" dirty="0" smtClean="0"/>
-              <a:t>QR-</a:t>
-            </a:r>
-            <a:r>
               <a:rPr lang="ru-RU" sz="3600" dirty="0" smtClean="0"/>
-              <a:t>код</a:t>
+              <a:t>Интерфейс</a:t>
             </a:r>
             <a:endParaRPr lang="en-US" sz="3600" dirty="0"/>
           </a:p>
@@ -3639,22 +3639,20 @@
         </p:nvSpPr>
         <p:spPr>
           <a:xfrm>
-            <a:off x="5916000" y="6356353"/>
-            <a:ext cx="360000" cy="360000"/>
+            <a:off x="5899280" y="6375023"/>
+            <a:ext cx="466530" cy="360000"/>
           </a:xfrm>
         </p:spPr>
         <p:txBody>
           <a:bodyPr/>
           <a:lstStyle/>
           <a:p>
-            <a:pPr algn="ctr"/>
             <a:fld id="{1FE8DF1E-33BB-4377-9A26-35481BA06C7C}" type="slidenum">
               <a:rPr lang="en-US" sz="2000">
                 <a:solidFill>
                   <a:schemeClr val="tx1"/>
                 </a:solidFill>
               </a:rPr>
-              <a:pPr algn="ctr"/>
               <a:t>10</a:t>
             </a:fld>
             <a:endParaRPr lang="en-US" sz="2000" dirty="0">
@@ -3665,6 +3663,902 @@
           </a:p>
         </p:txBody>
       </p:sp>
+      <p:sp>
+        <p:nvSpPr>
+          <p:cNvPr id="4" name="Объект 2"/>
+          <p:cNvSpPr>
+            <a:spLocks noGrp="1"/>
+          </p:cNvSpPr>
+          <p:nvPr>
+            <p:ph idx="1"/>
+          </p:nvPr>
+        </p:nvSpPr>
+        <p:spPr>
+          <a:xfrm>
+            <a:off x="838200" y="1158655"/>
+            <a:ext cx="10588690" cy="4889709"/>
+          </a:xfrm>
+        </p:spPr>
+        <p:txBody>
+          <a:bodyPr>
+            <a:noAutofit/>
+          </a:bodyPr>
+          <a:lstStyle/>
+          <a:p>
+            <a:pPr indent="540000" algn="just">
+              <a:lnSpc>
+                <a:spcPct val="100000"/>
+              </a:lnSpc>
+              <a:spcBef>
+                <a:spcPts val="0"/>
+              </a:spcBef>
+            </a:pPr>
+            <a:endParaRPr lang="ru-RU" sz="1800" dirty="0" smtClean="0">
+              <a:latin typeface="Times New Roman" panose="02020603050405020304" pitchFamily="18" charset="0"/>
+              <a:cs typeface="Times New Roman" panose="02020603050405020304" pitchFamily="18" charset="0"/>
+            </a:endParaRPr>
+          </a:p>
+          <a:p>
+            <a:pPr indent="540000" algn="just">
+              <a:lnSpc>
+                <a:spcPct val="100000"/>
+              </a:lnSpc>
+              <a:spcBef>
+                <a:spcPts val="0"/>
+              </a:spcBef>
+            </a:pPr>
+            <a:endParaRPr lang="ru-RU" sz="1800" dirty="0">
+              <a:latin typeface="Times New Roman" panose="02020603050405020304" pitchFamily="18" charset="0"/>
+              <a:cs typeface="Times New Roman" panose="02020603050405020304" pitchFamily="18" charset="0"/>
+            </a:endParaRPr>
+          </a:p>
+        </p:txBody>
+      </p:sp>
+      <p:pic>
+        <p:nvPicPr>
+          <p:cNvPr id="9" name="Рисунок 8"/>
+          <p:cNvPicPr>
+            <a:picLocks noChangeAspect="1"/>
+          </p:cNvPicPr>
+          <p:nvPr/>
+        </p:nvPicPr>
+        <p:blipFill>
+          <a:blip r:embed="rId2">
+            <a:extLst>
+              <a:ext uri="{28A0092B-C50C-407E-A947-70E740481C1C}">
+                <a14:useLocalDpi xmlns:a14="http://schemas.microsoft.com/office/drawing/2010/main" val="0"/>
+              </a:ext>
+            </a:extLst>
+          </a:blip>
+          <a:stretch>
+            <a:fillRect/>
+          </a:stretch>
+        </p:blipFill>
+        <p:spPr>
+          <a:xfrm>
+            <a:off x="1632545" y="978655"/>
+            <a:ext cx="9000000" cy="4310326"/>
+          </a:xfrm>
+          <a:prstGeom prst="rect">
+            <a:avLst/>
+          </a:prstGeom>
+        </p:spPr>
+      </p:pic>
+      <p:sp>
+        <p:nvSpPr>
+          <p:cNvPr id="10" name="TextBox 9"/>
+          <p:cNvSpPr txBox="1"/>
+          <p:nvPr/>
+        </p:nvSpPr>
+        <p:spPr>
+          <a:xfrm>
+            <a:off x="4643193" y="5615640"/>
+            <a:ext cx="2978701" cy="369332"/>
+          </a:xfrm>
+          <a:prstGeom prst="rect">
+            <a:avLst/>
+          </a:prstGeom>
+          <a:noFill/>
+        </p:spPr>
+        <p:txBody>
+          <a:bodyPr wrap="none" rtlCol="0">
+            <a:spAutoFit/>
+          </a:bodyPr>
+          <a:lstStyle/>
+          <a:p>
+            <a:r>
+              <a:rPr lang="ru-RU" dirty="0" smtClean="0"/>
+              <a:t>Рисунок 1. Главная страница</a:t>
+            </a:r>
+            <a:endParaRPr lang="en-US" dirty="0"/>
+          </a:p>
+        </p:txBody>
+      </p:sp>
+    </p:spTree>
+    <p:extLst>
+      <p:ext uri="{BB962C8B-B14F-4D97-AF65-F5344CB8AC3E}">
+        <p14:creationId xmlns:p14="http://schemas.microsoft.com/office/powerpoint/2010/main" val="2047901155"/>
+      </p:ext>
+    </p:extLst>
+  </p:cSld>
+  <p:clrMapOvr>
+    <a:masterClrMapping/>
+  </p:clrMapOvr>
+  <p:timing>
+    <p:tnLst>
+      <p:par>
+        <p:cTn id="1" dur="indefinite" restart="never" nodeType="tmRoot"/>
+      </p:par>
+    </p:tnLst>
+  </p:timing>
+</p:sld>
+</file>
+
+<file path=ppt/slides/slide11.xml><?xml version="1.0" encoding="utf-8"?>
+<p:sld xmlns:a="http://schemas.openxmlformats.org/drawingml/2006/main" xmlns:r="http://schemas.openxmlformats.org/officeDocument/2006/relationships" xmlns:p="http://schemas.openxmlformats.org/presentationml/2006/main">
+  <p:cSld>
+    <p:spTree>
+      <p:nvGrpSpPr>
+        <p:cNvPr id="1" name=""/>
+        <p:cNvGrpSpPr/>
+        <p:nvPr/>
+      </p:nvGrpSpPr>
+      <p:grpSpPr>
+        <a:xfrm>
+          <a:off x="0" y="0"/>
+          <a:ext cx="0" cy="0"/>
+          <a:chOff x="0" y="0"/>
+          <a:chExt cx="0" cy="0"/>
+        </a:xfrm>
+      </p:grpSpPr>
+      <p:sp>
+        <p:nvSpPr>
+          <p:cNvPr id="2" name="Заголовок 1"/>
+          <p:cNvSpPr>
+            <a:spLocks noGrp="1"/>
+          </p:cNvSpPr>
+          <p:nvPr>
+            <p:ph type="title"/>
+          </p:nvPr>
+        </p:nvSpPr>
+        <p:spPr>
+          <a:xfrm>
+            <a:off x="2189195" y="163330"/>
+            <a:ext cx="7886698" cy="651995"/>
+          </a:xfrm>
+        </p:spPr>
+        <p:txBody>
+          <a:bodyPr>
+            <a:noAutofit/>
+          </a:bodyPr>
+          <a:lstStyle/>
+          <a:p>
+            <a:pPr algn="ctr"/>
+            <a:r>
+              <a:rPr lang="ru-RU" sz="3600" dirty="0" smtClean="0"/>
+              <a:t>Интерфейс</a:t>
+            </a:r>
+            <a:endParaRPr lang="en-US" sz="3600" dirty="0"/>
+          </a:p>
+        </p:txBody>
+      </p:sp>
+      <p:sp>
+        <p:nvSpPr>
+          <p:cNvPr id="8" name="Номер слайда 7"/>
+          <p:cNvSpPr>
+            <a:spLocks noGrp="1"/>
+          </p:cNvSpPr>
+          <p:nvPr>
+            <p:ph type="sldNum" sz="quarter" idx="12"/>
+          </p:nvPr>
+        </p:nvSpPr>
+        <p:spPr>
+          <a:xfrm>
+            <a:off x="5899280" y="6375023"/>
+            <a:ext cx="466530" cy="360000"/>
+          </a:xfrm>
+        </p:spPr>
+        <p:txBody>
+          <a:bodyPr/>
+          <a:lstStyle/>
+          <a:p>
+            <a:fld id="{1FE8DF1E-33BB-4377-9A26-35481BA06C7C}" type="slidenum">
+              <a:rPr lang="en-US" sz="2000">
+                <a:solidFill>
+                  <a:schemeClr val="tx1"/>
+                </a:solidFill>
+              </a:rPr>
+              <a:t>11</a:t>
+            </a:fld>
+            <a:endParaRPr lang="en-US" sz="2000" dirty="0">
+              <a:solidFill>
+                <a:schemeClr val="tx1"/>
+              </a:solidFill>
+            </a:endParaRPr>
+          </a:p>
+        </p:txBody>
+      </p:sp>
+      <p:sp>
+        <p:nvSpPr>
+          <p:cNvPr id="4" name="Объект 2"/>
+          <p:cNvSpPr>
+            <a:spLocks noGrp="1"/>
+          </p:cNvSpPr>
+          <p:nvPr>
+            <p:ph idx="1"/>
+          </p:nvPr>
+        </p:nvSpPr>
+        <p:spPr>
+          <a:xfrm>
+            <a:off x="838200" y="1158655"/>
+            <a:ext cx="10588690" cy="4889709"/>
+          </a:xfrm>
+        </p:spPr>
+        <p:txBody>
+          <a:bodyPr>
+            <a:noAutofit/>
+          </a:bodyPr>
+          <a:lstStyle/>
+          <a:p>
+            <a:pPr indent="540000" algn="just">
+              <a:lnSpc>
+                <a:spcPct val="100000"/>
+              </a:lnSpc>
+              <a:spcBef>
+                <a:spcPts val="0"/>
+              </a:spcBef>
+            </a:pPr>
+            <a:endParaRPr lang="ru-RU" sz="1800" dirty="0" smtClean="0">
+              <a:latin typeface="Times New Roman" panose="02020603050405020304" pitchFamily="18" charset="0"/>
+              <a:cs typeface="Times New Roman" panose="02020603050405020304" pitchFamily="18" charset="0"/>
+            </a:endParaRPr>
+          </a:p>
+          <a:p>
+            <a:pPr indent="540000" algn="just">
+              <a:lnSpc>
+                <a:spcPct val="100000"/>
+              </a:lnSpc>
+              <a:spcBef>
+                <a:spcPts val="0"/>
+              </a:spcBef>
+            </a:pPr>
+            <a:endParaRPr lang="ru-RU" sz="1800" dirty="0">
+              <a:latin typeface="Times New Roman" panose="02020603050405020304" pitchFamily="18" charset="0"/>
+              <a:cs typeface="Times New Roman" panose="02020603050405020304" pitchFamily="18" charset="0"/>
+            </a:endParaRPr>
+          </a:p>
+        </p:txBody>
+      </p:sp>
+      <p:pic>
+        <p:nvPicPr>
+          <p:cNvPr id="9" name="Рисунок 8"/>
+          <p:cNvPicPr>
+            <a:picLocks noChangeAspect="1"/>
+          </p:cNvPicPr>
+          <p:nvPr/>
+        </p:nvPicPr>
+        <p:blipFill>
+          <a:blip r:embed="rId2">
+            <a:extLst>
+              <a:ext uri="{28A0092B-C50C-407E-A947-70E740481C1C}">
+                <a14:useLocalDpi xmlns:a14="http://schemas.microsoft.com/office/drawing/2010/main" val="0"/>
+              </a:ext>
+            </a:extLst>
+          </a:blip>
+          <a:stretch>
+            <a:fillRect/>
+          </a:stretch>
+        </p:blipFill>
+        <p:spPr>
+          <a:xfrm>
+            <a:off x="1632545" y="985768"/>
+            <a:ext cx="9000000" cy="4296100"/>
+          </a:xfrm>
+          <a:prstGeom prst="rect">
+            <a:avLst/>
+          </a:prstGeom>
+        </p:spPr>
+      </p:pic>
+      <p:sp>
+        <p:nvSpPr>
+          <p:cNvPr id="10" name="TextBox 9"/>
+          <p:cNvSpPr txBox="1"/>
+          <p:nvPr/>
+        </p:nvSpPr>
+        <p:spPr>
+          <a:xfrm>
+            <a:off x="4522968" y="5480450"/>
+            <a:ext cx="3219151" cy="369332"/>
+          </a:xfrm>
+          <a:prstGeom prst="rect">
+            <a:avLst/>
+          </a:prstGeom>
+          <a:noFill/>
+        </p:spPr>
+        <p:txBody>
+          <a:bodyPr wrap="none" rtlCol="0">
+            <a:spAutoFit/>
+          </a:bodyPr>
+          <a:lstStyle/>
+          <a:p>
+            <a:r>
+              <a:rPr lang="ru-RU" dirty="0" smtClean="0"/>
+              <a:t>Рисунок 2. Страница с курсами</a:t>
+            </a:r>
+            <a:endParaRPr lang="en-US" dirty="0"/>
+          </a:p>
+        </p:txBody>
+      </p:sp>
+    </p:spTree>
+    <p:extLst>
+      <p:ext uri="{BB962C8B-B14F-4D97-AF65-F5344CB8AC3E}">
+        <p14:creationId xmlns:p14="http://schemas.microsoft.com/office/powerpoint/2010/main" val="4029742615"/>
+      </p:ext>
+    </p:extLst>
+  </p:cSld>
+  <p:clrMapOvr>
+    <a:masterClrMapping/>
+  </p:clrMapOvr>
+  <p:timing>
+    <p:tnLst>
+      <p:par>
+        <p:cTn id="1" dur="indefinite" restart="never" nodeType="tmRoot"/>
+      </p:par>
+    </p:tnLst>
+  </p:timing>
+</p:sld>
+</file>
+
+<file path=ppt/slides/slide12.xml><?xml version="1.0" encoding="utf-8"?>
+<p:sld xmlns:a="http://schemas.openxmlformats.org/drawingml/2006/main" xmlns:r="http://schemas.openxmlformats.org/officeDocument/2006/relationships" xmlns:p="http://schemas.openxmlformats.org/presentationml/2006/main">
+  <p:cSld>
+    <p:spTree>
+      <p:nvGrpSpPr>
+        <p:cNvPr id="1" name=""/>
+        <p:cNvGrpSpPr/>
+        <p:nvPr/>
+      </p:nvGrpSpPr>
+      <p:grpSpPr>
+        <a:xfrm>
+          <a:off x="0" y="0"/>
+          <a:ext cx="0" cy="0"/>
+          <a:chOff x="0" y="0"/>
+          <a:chExt cx="0" cy="0"/>
+        </a:xfrm>
+      </p:grpSpPr>
+      <p:sp>
+        <p:nvSpPr>
+          <p:cNvPr id="2" name="Заголовок 1"/>
+          <p:cNvSpPr>
+            <a:spLocks noGrp="1"/>
+          </p:cNvSpPr>
+          <p:nvPr>
+            <p:ph type="title"/>
+          </p:nvPr>
+        </p:nvSpPr>
+        <p:spPr>
+          <a:xfrm>
+            <a:off x="2189195" y="163330"/>
+            <a:ext cx="7886698" cy="651995"/>
+          </a:xfrm>
+        </p:spPr>
+        <p:txBody>
+          <a:bodyPr>
+            <a:noAutofit/>
+          </a:bodyPr>
+          <a:lstStyle/>
+          <a:p>
+            <a:pPr algn="ctr"/>
+            <a:r>
+              <a:rPr lang="ru-RU" sz="3600" dirty="0" smtClean="0"/>
+              <a:t>Интерфейс</a:t>
+            </a:r>
+            <a:endParaRPr lang="en-US" sz="3600" dirty="0"/>
+          </a:p>
+        </p:txBody>
+      </p:sp>
+      <p:sp>
+        <p:nvSpPr>
+          <p:cNvPr id="8" name="Номер слайда 7"/>
+          <p:cNvSpPr>
+            <a:spLocks noGrp="1"/>
+          </p:cNvSpPr>
+          <p:nvPr>
+            <p:ph type="sldNum" sz="quarter" idx="12"/>
+          </p:nvPr>
+        </p:nvSpPr>
+        <p:spPr>
+          <a:xfrm>
+            <a:off x="5899280" y="6375023"/>
+            <a:ext cx="466530" cy="360000"/>
+          </a:xfrm>
+        </p:spPr>
+        <p:txBody>
+          <a:bodyPr/>
+          <a:lstStyle/>
+          <a:p>
+            <a:fld id="{1FE8DF1E-33BB-4377-9A26-35481BA06C7C}" type="slidenum">
+              <a:rPr lang="en-US" sz="2000">
+                <a:solidFill>
+                  <a:schemeClr val="tx1"/>
+                </a:solidFill>
+              </a:rPr>
+              <a:t>12</a:t>
+            </a:fld>
+            <a:endParaRPr lang="en-US" sz="2000" dirty="0">
+              <a:solidFill>
+                <a:schemeClr val="tx1"/>
+              </a:solidFill>
+            </a:endParaRPr>
+          </a:p>
+        </p:txBody>
+      </p:sp>
+      <p:sp>
+        <p:nvSpPr>
+          <p:cNvPr id="4" name="Объект 2"/>
+          <p:cNvSpPr>
+            <a:spLocks noGrp="1"/>
+          </p:cNvSpPr>
+          <p:nvPr>
+            <p:ph idx="1"/>
+          </p:nvPr>
+        </p:nvSpPr>
+        <p:spPr>
+          <a:xfrm>
+            <a:off x="838200" y="1158655"/>
+            <a:ext cx="10588690" cy="4889709"/>
+          </a:xfrm>
+        </p:spPr>
+        <p:txBody>
+          <a:bodyPr>
+            <a:noAutofit/>
+          </a:bodyPr>
+          <a:lstStyle/>
+          <a:p>
+            <a:pPr indent="540000" algn="just">
+              <a:lnSpc>
+                <a:spcPct val="100000"/>
+              </a:lnSpc>
+              <a:spcBef>
+                <a:spcPts val="0"/>
+              </a:spcBef>
+            </a:pPr>
+            <a:endParaRPr lang="ru-RU" sz="1800" dirty="0" smtClean="0">
+              <a:latin typeface="Times New Roman" panose="02020603050405020304" pitchFamily="18" charset="0"/>
+              <a:cs typeface="Times New Roman" panose="02020603050405020304" pitchFamily="18" charset="0"/>
+            </a:endParaRPr>
+          </a:p>
+          <a:p>
+            <a:pPr indent="540000" algn="just">
+              <a:lnSpc>
+                <a:spcPct val="100000"/>
+              </a:lnSpc>
+              <a:spcBef>
+                <a:spcPts val="0"/>
+              </a:spcBef>
+            </a:pPr>
+            <a:endParaRPr lang="ru-RU" sz="1800" dirty="0">
+              <a:latin typeface="Times New Roman" panose="02020603050405020304" pitchFamily="18" charset="0"/>
+              <a:cs typeface="Times New Roman" panose="02020603050405020304" pitchFamily="18" charset="0"/>
+            </a:endParaRPr>
+          </a:p>
+        </p:txBody>
+      </p:sp>
+      <p:pic>
+        <p:nvPicPr>
+          <p:cNvPr id="9" name="Рисунок 8"/>
+          <p:cNvPicPr>
+            <a:picLocks noChangeAspect="1"/>
+          </p:cNvPicPr>
+          <p:nvPr/>
+        </p:nvPicPr>
+        <p:blipFill>
+          <a:blip r:embed="rId2">
+            <a:extLst>
+              <a:ext uri="{28A0092B-C50C-407E-A947-70E740481C1C}">
+                <a14:useLocalDpi xmlns:a14="http://schemas.microsoft.com/office/drawing/2010/main" val="0"/>
+              </a:ext>
+            </a:extLst>
+          </a:blip>
+          <a:stretch>
+            <a:fillRect/>
+          </a:stretch>
+        </p:blipFill>
+        <p:spPr>
+          <a:xfrm>
+            <a:off x="1642029" y="978655"/>
+            <a:ext cx="8981031" cy="4310326"/>
+          </a:xfrm>
+          <a:prstGeom prst="rect">
+            <a:avLst/>
+          </a:prstGeom>
+        </p:spPr>
+      </p:pic>
+      <p:sp>
+        <p:nvSpPr>
+          <p:cNvPr id="10" name="TextBox 9"/>
+          <p:cNvSpPr txBox="1"/>
+          <p:nvPr/>
+        </p:nvSpPr>
+        <p:spPr>
+          <a:xfrm>
+            <a:off x="3652570" y="5484006"/>
+            <a:ext cx="4959948" cy="369332"/>
+          </a:xfrm>
+          <a:prstGeom prst="rect">
+            <a:avLst/>
+          </a:prstGeom>
+          <a:noFill/>
+        </p:spPr>
+        <p:txBody>
+          <a:bodyPr wrap="none" rtlCol="0">
+            <a:spAutoFit/>
+          </a:bodyPr>
+          <a:lstStyle/>
+          <a:p>
+            <a:r>
+              <a:rPr lang="ru-RU" dirty="0" smtClean="0"/>
+              <a:t>Рисунок 3. Страница с контактной информацией</a:t>
+            </a:r>
+            <a:endParaRPr lang="en-US" dirty="0"/>
+          </a:p>
+        </p:txBody>
+      </p:sp>
+    </p:spTree>
+    <p:extLst>
+      <p:ext uri="{BB962C8B-B14F-4D97-AF65-F5344CB8AC3E}">
+        <p14:creationId xmlns:p14="http://schemas.microsoft.com/office/powerpoint/2010/main" val="3374470238"/>
+      </p:ext>
+    </p:extLst>
+  </p:cSld>
+  <p:clrMapOvr>
+    <a:masterClrMapping/>
+  </p:clrMapOvr>
+  <p:timing>
+    <p:tnLst>
+      <p:par>
+        <p:cTn id="1" dur="indefinite" restart="never" nodeType="tmRoot"/>
+      </p:par>
+    </p:tnLst>
+  </p:timing>
+</p:sld>
+</file>
+
+<file path=ppt/slides/slide13.xml><?xml version="1.0" encoding="utf-8"?>
+<p:sld xmlns:a="http://schemas.openxmlformats.org/drawingml/2006/main" xmlns:r="http://schemas.openxmlformats.org/officeDocument/2006/relationships" xmlns:p="http://schemas.openxmlformats.org/presentationml/2006/main">
+  <p:cSld>
+    <p:spTree>
+      <p:nvGrpSpPr>
+        <p:cNvPr id="1" name=""/>
+        <p:cNvGrpSpPr/>
+        <p:nvPr/>
+      </p:nvGrpSpPr>
+      <p:grpSpPr>
+        <a:xfrm>
+          <a:off x="0" y="0"/>
+          <a:ext cx="0" cy="0"/>
+          <a:chOff x="0" y="0"/>
+          <a:chExt cx="0" cy="0"/>
+        </a:xfrm>
+      </p:grpSpPr>
+      <p:sp>
+        <p:nvSpPr>
+          <p:cNvPr id="2" name="Заголовок 1"/>
+          <p:cNvSpPr>
+            <a:spLocks noGrp="1"/>
+          </p:cNvSpPr>
+          <p:nvPr>
+            <p:ph type="title"/>
+          </p:nvPr>
+        </p:nvSpPr>
+        <p:spPr>
+          <a:xfrm>
+            <a:off x="2189195" y="163330"/>
+            <a:ext cx="7886698" cy="651995"/>
+          </a:xfrm>
+        </p:spPr>
+        <p:txBody>
+          <a:bodyPr>
+            <a:noAutofit/>
+          </a:bodyPr>
+          <a:lstStyle/>
+          <a:p>
+            <a:pPr algn="ctr"/>
+            <a:r>
+              <a:rPr lang="ru-RU" sz="3600" dirty="0" smtClean="0"/>
+              <a:t>Интерфейс</a:t>
+            </a:r>
+            <a:endParaRPr lang="en-US" sz="3600" dirty="0"/>
+          </a:p>
+        </p:txBody>
+      </p:sp>
+      <p:sp>
+        <p:nvSpPr>
+          <p:cNvPr id="8" name="Номер слайда 7"/>
+          <p:cNvSpPr>
+            <a:spLocks noGrp="1"/>
+          </p:cNvSpPr>
+          <p:nvPr>
+            <p:ph type="sldNum" sz="quarter" idx="12"/>
+          </p:nvPr>
+        </p:nvSpPr>
+        <p:spPr>
+          <a:xfrm>
+            <a:off x="5899280" y="6375023"/>
+            <a:ext cx="466530" cy="360000"/>
+          </a:xfrm>
+        </p:spPr>
+        <p:txBody>
+          <a:bodyPr/>
+          <a:lstStyle/>
+          <a:p>
+            <a:fld id="{1FE8DF1E-33BB-4377-9A26-35481BA06C7C}" type="slidenum">
+              <a:rPr lang="en-US" sz="2000">
+                <a:solidFill>
+                  <a:schemeClr val="tx1"/>
+                </a:solidFill>
+              </a:rPr>
+              <a:t>13</a:t>
+            </a:fld>
+            <a:endParaRPr lang="en-US" sz="2000" dirty="0">
+              <a:solidFill>
+                <a:schemeClr val="tx1"/>
+              </a:solidFill>
+            </a:endParaRPr>
+          </a:p>
+        </p:txBody>
+      </p:sp>
+      <p:sp>
+        <p:nvSpPr>
+          <p:cNvPr id="4" name="Объект 2"/>
+          <p:cNvSpPr>
+            <a:spLocks noGrp="1"/>
+          </p:cNvSpPr>
+          <p:nvPr>
+            <p:ph idx="1"/>
+          </p:nvPr>
+        </p:nvSpPr>
+        <p:spPr>
+          <a:xfrm>
+            <a:off x="838200" y="1158655"/>
+            <a:ext cx="10588690" cy="4889709"/>
+          </a:xfrm>
+        </p:spPr>
+        <p:txBody>
+          <a:bodyPr>
+            <a:noAutofit/>
+          </a:bodyPr>
+          <a:lstStyle/>
+          <a:p>
+            <a:pPr indent="540000" algn="just">
+              <a:lnSpc>
+                <a:spcPct val="100000"/>
+              </a:lnSpc>
+              <a:spcBef>
+                <a:spcPts val="0"/>
+              </a:spcBef>
+            </a:pPr>
+            <a:endParaRPr lang="ru-RU" sz="1800" dirty="0" smtClean="0">
+              <a:latin typeface="Times New Roman" panose="02020603050405020304" pitchFamily="18" charset="0"/>
+              <a:cs typeface="Times New Roman" panose="02020603050405020304" pitchFamily="18" charset="0"/>
+            </a:endParaRPr>
+          </a:p>
+          <a:p>
+            <a:pPr indent="540000" algn="just">
+              <a:lnSpc>
+                <a:spcPct val="100000"/>
+              </a:lnSpc>
+              <a:spcBef>
+                <a:spcPts val="0"/>
+              </a:spcBef>
+            </a:pPr>
+            <a:endParaRPr lang="ru-RU" sz="1800" dirty="0">
+              <a:latin typeface="Times New Roman" panose="02020603050405020304" pitchFamily="18" charset="0"/>
+              <a:cs typeface="Times New Roman" panose="02020603050405020304" pitchFamily="18" charset="0"/>
+            </a:endParaRPr>
+          </a:p>
+        </p:txBody>
+      </p:sp>
+      <p:pic>
+        <p:nvPicPr>
+          <p:cNvPr id="9" name="Рисунок 8"/>
+          <p:cNvPicPr>
+            <a:picLocks noChangeAspect="1"/>
+          </p:cNvPicPr>
+          <p:nvPr/>
+        </p:nvPicPr>
+        <p:blipFill>
+          <a:blip r:embed="rId2">
+            <a:extLst>
+              <a:ext uri="{28A0092B-C50C-407E-A947-70E740481C1C}">
+                <a14:useLocalDpi xmlns:a14="http://schemas.microsoft.com/office/drawing/2010/main" val="0"/>
+              </a:ext>
+            </a:extLst>
+          </a:blip>
+          <a:stretch>
+            <a:fillRect/>
+          </a:stretch>
+        </p:blipFill>
+        <p:spPr>
+          <a:xfrm>
+            <a:off x="1639457" y="978655"/>
+            <a:ext cx="8986175" cy="4310326"/>
+          </a:xfrm>
+          <a:prstGeom prst="rect">
+            <a:avLst/>
+          </a:prstGeom>
+        </p:spPr>
+      </p:pic>
+      <p:sp>
+        <p:nvSpPr>
+          <p:cNvPr id="10" name="TextBox 9"/>
+          <p:cNvSpPr txBox="1"/>
+          <p:nvPr/>
+        </p:nvSpPr>
+        <p:spPr>
+          <a:xfrm>
+            <a:off x="4643194" y="5484006"/>
+            <a:ext cx="3020379" cy="369332"/>
+          </a:xfrm>
+          <a:prstGeom prst="rect">
+            <a:avLst/>
+          </a:prstGeom>
+          <a:noFill/>
+        </p:spPr>
+        <p:txBody>
+          <a:bodyPr wrap="none" rtlCol="0">
+            <a:spAutoFit/>
+          </a:bodyPr>
+          <a:lstStyle/>
+          <a:p>
+            <a:r>
+              <a:rPr lang="ru-RU" dirty="0" smtClean="0"/>
+              <a:t>Рисунок 4. Страница «О нас»</a:t>
+            </a:r>
+            <a:endParaRPr lang="en-US" dirty="0"/>
+          </a:p>
+        </p:txBody>
+      </p:sp>
+    </p:spTree>
+    <p:extLst>
+      <p:ext uri="{BB962C8B-B14F-4D97-AF65-F5344CB8AC3E}">
+        <p14:creationId xmlns:p14="http://schemas.microsoft.com/office/powerpoint/2010/main" val="1243891806"/>
+      </p:ext>
+    </p:extLst>
+  </p:cSld>
+  <p:clrMapOvr>
+    <a:masterClrMapping/>
+  </p:clrMapOvr>
+  <p:timing>
+    <p:tnLst>
+      <p:par>
+        <p:cTn id="1" dur="indefinite" restart="never" nodeType="tmRoot"/>
+      </p:par>
+    </p:tnLst>
+  </p:timing>
+</p:sld>
+</file>
+
+<file path=ppt/slides/slide14.xml><?xml version="1.0" encoding="utf-8"?>
+<p:sld xmlns:a="http://schemas.openxmlformats.org/drawingml/2006/main" xmlns:r="http://schemas.openxmlformats.org/officeDocument/2006/relationships" xmlns:p="http://schemas.openxmlformats.org/presentationml/2006/main">
+  <p:cSld>
+    <p:spTree>
+      <p:nvGrpSpPr>
+        <p:cNvPr id="1" name=""/>
+        <p:cNvGrpSpPr/>
+        <p:nvPr/>
+      </p:nvGrpSpPr>
+      <p:grpSpPr>
+        <a:xfrm>
+          <a:off x="0" y="0"/>
+          <a:ext cx="0" cy="0"/>
+          <a:chOff x="0" y="0"/>
+          <a:chExt cx="0" cy="0"/>
+        </a:xfrm>
+      </p:grpSpPr>
+      <p:sp>
+        <p:nvSpPr>
+          <p:cNvPr id="2" name="Заголовок 1"/>
+          <p:cNvSpPr>
+            <a:spLocks noGrp="1"/>
+          </p:cNvSpPr>
+          <p:nvPr>
+            <p:ph type="title"/>
+          </p:nvPr>
+        </p:nvSpPr>
+        <p:spPr>
+          <a:xfrm>
+            <a:off x="838200" y="329426"/>
+            <a:ext cx="10515600" cy="626998"/>
+          </a:xfrm>
+        </p:spPr>
+        <p:txBody>
+          <a:bodyPr>
+            <a:noAutofit/>
+          </a:bodyPr>
+          <a:lstStyle/>
+          <a:p>
+            <a:pPr algn="ctr"/>
+            <a:r>
+              <a:rPr lang="en-US" sz="3600" dirty="0" smtClean="0"/>
+              <a:t>QR-</a:t>
+            </a:r>
+            <a:r>
+              <a:rPr lang="ru-RU" sz="3600" dirty="0" smtClean="0"/>
+              <a:t>код</a:t>
+            </a:r>
+            <a:endParaRPr lang="en-US" sz="3600" dirty="0"/>
+          </a:p>
+        </p:txBody>
+      </p:sp>
+      <p:sp>
+        <p:nvSpPr>
+          <p:cNvPr id="8" name="Номер слайда 7"/>
+          <p:cNvSpPr>
+            <a:spLocks noGrp="1"/>
+          </p:cNvSpPr>
+          <p:nvPr>
+            <p:ph type="sldNum" sz="quarter" idx="12"/>
+          </p:nvPr>
+        </p:nvSpPr>
+        <p:spPr>
+          <a:xfrm>
+            <a:off x="5867595" y="6302771"/>
+            <a:ext cx="456808" cy="360000"/>
+          </a:xfrm>
+        </p:spPr>
+        <p:txBody>
+          <a:bodyPr/>
+          <a:lstStyle/>
+          <a:p>
+            <a:pPr algn="ctr"/>
+            <a:fld id="{1FE8DF1E-33BB-4377-9A26-35481BA06C7C}" type="slidenum">
+              <a:rPr lang="en-US" sz="2000">
+                <a:solidFill>
+                  <a:schemeClr val="tx1"/>
+                </a:solidFill>
+              </a:rPr>
+              <a:pPr algn="ctr"/>
+              <a:t>14</a:t>
+            </a:fld>
+            <a:endParaRPr lang="en-US" sz="2000" dirty="0">
+              <a:solidFill>
+                <a:schemeClr val="tx1"/>
+              </a:solidFill>
+            </a:endParaRPr>
+          </a:p>
+        </p:txBody>
+      </p:sp>
+      <p:pic>
+        <p:nvPicPr>
+          <p:cNvPr id="3" name="Рисунок 2"/>
+          <p:cNvPicPr>
+            <a:picLocks noChangeAspect="1"/>
+          </p:cNvPicPr>
+          <p:nvPr/>
+        </p:nvPicPr>
+        <p:blipFill>
+          <a:blip r:embed="rId2">
+            <a:extLst>
+              <a:ext uri="{28A0092B-C50C-407E-A947-70E740481C1C}">
+                <a14:useLocalDpi xmlns:a14="http://schemas.microsoft.com/office/drawing/2010/main" val="0"/>
+              </a:ext>
+            </a:extLst>
+          </a:blip>
+          <a:stretch>
+            <a:fillRect/>
+          </a:stretch>
+        </p:blipFill>
+        <p:spPr>
+          <a:xfrm>
+            <a:off x="3646325" y="956424"/>
+            <a:ext cx="4899349" cy="4899349"/>
+          </a:xfrm>
+          <a:prstGeom prst="rect">
+            <a:avLst/>
+          </a:prstGeom>
+        </p:spPr>
+      </p:pic>
     </p:spTree>
     <p:extLst>
       <p:ext uri="{BB962C8B-B14F-4D97-AF65-F5344CB8AC3E}">
@@ -3685,7 +4579,7 @@
 </p:sld>
 </file>
 
-<file path=ppt/slides/slide11.xml><?xml version="1.0" encoding="utf-8"?>
+<file path=ppt/slides/slide15.xml><?xml version="1.0" encoding="utf-8"?>
 <p:sld xmlns:a="http://schemas.openxmlformats.org/drawingml/2006/main" xmlns:r="http://schemas.openxmlformats.org/officeDocument/2006/relationships" xmlns:p="http://schemas.openxmlformats.org/presentationml/2006/main">
   <p:cSld>
     <p:spTree>
@@ -4853,7 +5747,7 @@
         </p:nvSpPr>
         <p:spPr>
           <a:xfrm>
-            <a:off x="838200" y="262569"/>
+            <a:off x="838200" y="365125"/>
             <a:ext cx="10515600" cy="672072"/>
           </a:xfrm>
         </p:spPr>
@@ -4934,7 +5828,7 @@
         </p:nvSpPr>
         <p:spPr>
           <a:xfrm>
-            <a:off x="830424" y="1058655"/>
+            <a:off x="801655" y="1273259"/>
             <a:ext cx="10588690" cy="4889709"/>
           </a:xfrm>
         </p:spPr>
@@ -5583,7 +6477,7 @@
         </p:nvSpPr>
         <p:spPr>
           <a:xfrm>
-            <a:off x="838200" y="262569"/>
+            <a:off x="838200" y="365125"/>
             <a:ext cx="10515600" cy="672072"/>
           </a:xfrm>
         </p:spPr>
@@ -5664,7 +6558,7 @@
         </p:nvSpPr>
         <p:spPr>
           <a:xfrm>
-            <a:off x="838200" y="1158655"/>
+            <a:off x="838200" y="1242630"/>
             <a:ext cx="10588690" cy="4889709"/>
           </a:xfrm>
         </p:spPr>
@@ -6226,8 +7120,8 @@
         </p:nvSpPr>
         <p:spPr>
           <a:xfrm>
-            <a:off x="838200" y="361685"/>
-            <a:ext cx="10515600" cy="561684"/>
+            <a:off x="838200" y="458512"/>
+            <a:ext cx="10515600" cy="672072"/>
           </a:xfrm>
         </p:spPr>
         <p:txBody>
@@ -6243,15 +7137,15 @@
             </a:r>
             <a:r>
               <a:rPr lang="ru-RU" dirty="0" smtClean="0"/>
-              <a:t>труктурная </a:t>
+              <a:t>равнительный </a:t>
             </a:r>
             <a:r>
               <a:rPr lang="ru-RU" dirty="0"/>
-              <a:t>схема </a:t>
+              <a:t>анализ аналогичных </a:t>
             </a:r>
             <a:r>
               <a:rPr lang="ru-RU" dirty="0" smtClean="0"/>
-              <a:t>проекта</a:t>
+              <a:t>проектов</a:t>
             </a:r>
             <a:endParaRPr lang="ru-RU" dirty="0"/>
           </a:p>
@@ -6259,7 +7153,7 @@
       </p:sp>
       <p:sp>
         <p:nvSpPr>
-          <p:cNvPr id="9" name="Номер слайда 8"/>
+          <p:cNvPr id="6" name="Номер слайда 5"/>
           <p:cNvSpPr>
             <a:spLocks noGrp="1"/>
           </p:cNvSpPr>
@@ -6269,7 +7163,7 @@
         </p:nvSpPr>
         <p:spPr>
           <a:xfrm>
-            <a:off x="5916000" y="6356353"/>
+            <a:off x="5916000" y="6272378"/>
             <a:ext cx="360000" cy="360000"/>
           </a:xfrm>
         </p:spPr>
@@ -6277,12 +7171,14 @@
           <a:bodyPr/>
           <a:lstStyle/>
           <a:p>
+            <a:pPr algn="ctr"/>
             <a:fld id="{1FE8DF1E-33BB-4377-9A26-35481BA06C7C}" type="slidenum">
               <a:rPr lang="en-US" sz="2000">
                 <a:solidFill>
                   <a:schemeClr val="tx1"/>
                 </a:solidFill>
               </a:rPr>
+              <a:pPr algn="ctr"/>
               <a:t>8</a:t>
             </a:fld>
             <a:endParaRPr lang="en-US" sz="2000" dirty="0">
@@ -6293,10 +7189,528 @@
           </a:p>
         </p:txBody>
       </p:sp>
+      <p:sp>
+        <p:nvSpPr>
+          <p:cNvPr id="4" name="Объект 2"/>
+          <p:cNvSpPr>
+            <a:spLocks noGrp="1"/>
+          </p:cNvSpPr>
+          <p:nvPr>
+            <p:ph idx="1"/>
+          </p:nvPr>
+        </p:nvSpPr>
+        <p:spPr>
+          <a:xfrm>
+            <a:off x="838200" y="1382669"/>
+            <a:ext cx="10588690" cy="4889709"/>
+          </a:xfrm>
+        </p:spPr>
+        <p:txBody>
+          <a:bodyPr>
+            <a:noAutofit/>
+          </a:bodyPr>
+          <a:lstStyle/>
+          <a:p>
+            <a:pPr indent="540000" algn="just">
+              <a:lnSpc>
+                <a:spcPct val="100000"/>
+              </a:lnSpc>
+              <a:spcBef>
+                <a:spcPts val="0"/>
+              </a:spcBef>
+            </a:pPr>
+            <a:r>
+              <a:rPr lang="ru-RU" sz="1800" dirty="0" smtClean="0">
+                <a:latin typeface="Times New Roman" panose="02020603050405020304" pitchFamily="18" charset="0"/>
+                <a:cs typeface="Times New Roman" panose="02020603050405020304" pitchFamily="18" charset="0"/>
+              </a:rPr>
+              <a:t>Анализ сайта языковой школы </a:t>
+            </a:r>
+            <a:r>
+              <a:rPr lang="ru-KZ" sz="1800" dirty="0">
+                <a:latin typeface="Times New Roman" panose="02020603050405020304" pitchFamily="18" charset="0"/>
+                <a:cs typeface="Times New Roman" panose="02020603050405020304" pitchFamily="18" charset="0"/>
+              </a:rPr>
+              <a:t>Langports</a:t>
+            </a:r>
+            <a:r>
+              <a:rPr lang="ru-RU" sz="1800" dirty="0" smtClean="0">
+                <a:latin typeface="Times New Roman" panose="02020603050405020304" pitchFamily="18" charset="0"/>
+                <a:cs typeface="Times New Roman" panose="02020603050405020304" pitchFamily="18" charset="0"/>
+              </a:rPr>
+              <a:t>:</a:t>
+            </a:r>
+          </a:p>
+          <a:p>
+            <a:pPr indent="540000" algn="just">
+              <a:lnSpc>
+                <a:spcPct val="100000"/>
+              </a:lnSpc>
+              <a:spcBef>
+                <a:spcPts val="0"/>
+              </a:spcBef>
+            </a:pPr>
+            <a:r>
+              <a:rPr lang="ru-KZ" sz="1800" dirty="0">
+                <a:latin typeface="Times New Roman" panose="02020603050405020304" pitchFamily="18" charset="0"/>
+                <a:cs typeface="Times New Roman" panose="02020603050405020304" pitchFamily="18" charset="0"/>
+              </a:rPr>
+              <a:t>Целевая </a:t>
+            </a:r>
+            <a:r>
+              <a:rPr lang="ru-KZ" sz="1800" dirty="0" smtClean="0">
+                <a:latin typeface="Times New Roman" panose="02020603050405020304" pitchFamily="18" charset="0"/>
+                <a:cs typeface="Times New Roman" panose="02020603050405020304" pitchFamily="18" charset="0"/>
+              </a:rPr>
+              <a:t>аудитория</a:t>
+            </a:r>
+            <a:r>
+              <a:rPr lang="ru-RU" sz="1800" dirty="0" smtClean="0">
+                <a:latin typeface="Times New Roman" panose="02020603050405020304" pitchFamily="18" charset="0"/>
+                <a:cs typeface="Times New Roman" panose="02020603050405020304" pitchFamily="18" charset="0"/>
+              </a:rPr>
+              <a:t>: </a:t>
+            </a:r>
+            <a:r>
+              <a:rPr lang="ru-KZ" sz="1800" dirty="0">
+                <a:latin typeface="Times New Roman" panose="02020603050405020304" pitchFamily="18" charset="0"/>
+                <a:cs typeface="Times New Roman" panose="02020603050405020304" pitchFamily="18" charset="0"/>
+              </a:rPr>
+              <a:t>Сайт обращается к широкой аудитории студентов всех </a:t>
+            </a:r>
+            <a:r>
+              <a:rPr lang="ru-KZ" sz="1800" dirty="0" smtClean="0">
+                <a:latin typeface="Times New Roman" panose="02020603050405020304" pitchFamily="18" charset="0"/>
+                <a:cs typeface="Times New Roman" panose="02020603050405020304" pitchFamily="18" charset="0"/>
+              </a:rPr>
+              <a:t>возрастов</a:t>
+            </a:r>
+            <a:endParaRPr lang="ru-RU" sz="1800" dirty="0" smtClean="0">
+              <a:latin typeface="Times New Roman" panose="02020603050405020304" pitchFamily="18" charset="0"/>
+              <a:cs typeface="Times New Roman" panose="02020603050405020304" pitchFamily="18" charset="0"/>
+            </a:endParaRPr>
+          </a:p>
+          <a:p>
+            <a:pPr indent="540000" algn="just">
+              <a:lnSpc>
+                <a:spcPct val="100000"/>
+              </a:lnSpc>
+              <a:spcBef>
+                <a:spcPts val="0"/>
+              </a:spcBef>
+            </a:pPr>
+            <a:r>
+              <a:rPr lang="ru-KZ" sz="1800" dirty="0" smtClean="0">
+                <a:latin typeface="Times New Roman" panose="02020603050405020304" pitchFamily="18" charset="0"/>
+                <a:cs typeface="Times New Roman" panose="02020603050405020304" pitchFamily="18" charset="0"/>
+              </a:rPr>
+              <a:t>Сервисы </a:t>
+            </a:r>
+            <a:r>
+              <a:rPr lang="ru-KZ" sz="1800" dirty="0">
+                <a:latin typeface="Times New Roman" panose="02020603050405020304" pitchFamily="18" charset="0"/>
+                <a:cs typeface="Times New Roman" panose="02020603050405020304" pitchFamily="18" charset="0"/>
+              </a:rPr>
+              <a:t>(функционал</a:t>
+            </a:r>
+            <a:r>
+              <a:rPr lang="ru-KZ" sz="1800" dirty="0" smtClean="0">
+                <a:latin typeface="Times New Roman" panose="02020603050405020304" pitchFamily="18" charset="0"/>
+                <a:cs typeface="Times New Roman" panose="02020603050405020304" pitchFamily="18" charset="0"/>
+              </a:rPr>
+              <a:t>)</a:t>
+            </a:r>
+            <a:r>
+              <a:rPr lang="ru-RU" sz="1800" dirty="0" smtClean="0">
+                <a:latin typeface="Times New Roman" panose="02020603050405020304" pitchFamily="18" charset="0"/>
+                <a:cs typeface="Times New Roman" panose="02020603050405020304" pitchFamily="18" charset="0"/>
+              </a:rPr>
+              <a:t>: </a:t>
+            </a:r>
+            <a:r>
+              <a:rPr lang="ru-KZ" sz="1800" dirty="0">
+                <a:latin typeface="Times New Roman" panose="02020603050405020304" pitchFamily="18" charset="0"/>
+                <a:cs typeface="Times New Roman" panose="02020603050405020304" pitchFamily="18" charset="0"/>
+              </a:rPr>
+              <a:t>Сайт предоставляет обширную информацию о программы изучения английского, услугах и ресурсах для студентов</a:t>
+            </a:r>
+            <a:r>
+              <a:rPr lang="ru-KZ" sz="1800" dirty="0" smtClean="0">
+                <a:latin typeface="Times New Roman" panose="02020603050405020304" pitchFamily="18" charset="0"/>
+                <a:cs typeface="Times New Roman" panose="02020603050405020304" pitchFamily="18" charset="0"/>
+              </a:rPr>
+              <a:t>.</a:t>
+            </a:r>
+            <a:endParaRPr lang="ru-RU" sz="1800" dirty="0" smtClean="0">
+              <a:latin typeface="Times New Roman" panose="02020603050405020304" pitchFamily="18" charset="0"/>
+              <a:cs typeface="Times New Roman" panose="02020603050405020304" pitchFamily="18" charset="0"/>
+            </a:endParaRPr>
+          </a:p>
+          <a:p>
+            <a:pPr indent="540000" algn="just">
+              <a:lnSpc>
+                <a:spcPct val="100000"/>
+              </a:lnSpc>
+              <a:spcBef>
+                <a:spcPts val="0"/>
+              </a:spcBef>
+            </a:pPr>
+            <a:r>
+              <a:rPr lang="ru-KZ" sz="1800" dirty="0" smtClean="0">
+                <a:latin typeface="Times New Roman" panose="02020603050405020304" pitchFamily="18" charset="0"/>
+                <a:cs typeface="Times New Roman" panose="02020603050405020304" pitchFamily="18" charset="0"/>
+              </a:rPr>
+              <a:t>Навигация</a:t>
+            </a:r>
+            <a:r>
+              <a:rPr lang="ru-RU" sz="1800" dirty="0" smtClean="0">
+                <a:latin typeface="Times New Roman" panose="02020603050405020304" pitchFamily="18" charset="0"/>
+                <a:cs typeface="Times New Roman" panose="02020603050405020304" pitchFamily="18" charset="0"/>
+              </a:rPr>
+              <a:t>: </a:t>
+            </a:r>
+            <a:r>
+              <a:rPr lang="ru-KZ" sz="1800" dirty="0">
+                <a:latin typeface="Times New Roman" panose="02020603050405020304" pitchFamily="18" charset="0"/>
+                <a:cs typeface="Times New Roman" panose="02020603050405020304" pitchFamily="18" charset="0"/>
+              </a:rPr>
+              <a:t>Навигация на сайте проста и интуитивно </a:t>
+            </a:r>
+            <a:r>
+              <a:rPr lang="ru-KZ" sz="1800" dirty="0" smtClean="0">
+                <a:latin typeface="Times New Roman" panose="02020603050405020304" pitchFamily="18" charset="0"/>
+                <a:cs typeface="Times New Roman" panose="02020603050405020304" pitchFamily="18" charset="0"/>
+              </a:rPr>
+              <a:t>понятна</a:t>
+            </a:r>
+            <a:r>
+              <a:rPr lang="ru-RU" sz="1800" dirty="0" smtClean="0">
+                <a:latin typeface="Times New Roman" panose="02020603050405020304" pitchFamily="18" charset="0"/>
+                <a:cs typeface="Times New Roman" panose="02020603050405020304" pitchFamily="18" charset="0"/>
+              </a:rPr>
+              <a:t>.</a:t>
+            </a:r>
+            <a:endParaRPr lang="ru-RU" sz="1800" dirty="0">
+              <a:latin typeface="Times New Roman" panose="02020603050405020304" pitchFamily="18" charset="0"/>
+              <a:cs typeface="Times New Roman" panose="02020603050405020304" pitchFamily="18" charset="0"/>
+            </a:endParaRPr>
+          </a:p>
+          <a:p>
+            <a:pPr indent="540000" algn="just">
+              <a:lnSpc>
+                <a:spcPct val="100000"/>
+              </a:lnSpc>
+              <a:spcBef>
+                <a:spcPts val="0"/>
+              </a:spcBef>
+            </a:pPr>
+            <a:r>
+              <a:rPr lang="ru-KZ" sz="1800" dirty="0" smtClean="0">
+                <a:latin typeface="Times New Roman" panose="02020603050405020304" pitchFamily="18" charset="0"/>
+                <a:cs typeface="Times New Roman" panose="02020603050405020304" pitchFamily="18" charset="0"/>
+              </a:rPr>
+              <a:t>Дизайн и его яркие элементы</a:t>
+            </a:r>
+            <a:r>
+              <a:rPr lang="ru-RU" sz="1800" dirty="0" smtClean="0">
+                <a:latin typeface="Times New Roman" panose="02020603050405020304" pitchFamily="18" charset="0"/>
+                <a:cs typeface="Times New Roman" panose="02020603050405020304" pitchFamily="18" charset="0"/>
+              </a:rPr>
+              <a:t>: </a:t>
+            </a:r>
+            <a:r>
+              <a:rPr lang="ru-KZ" sz="1800" dirty="0">
+                <a:latin typeface="Times New Roman" panose="02020603050405020304" pitchFamily="18" charset="0"/>
+                <a:cs typeface="Times New Roman" panose="02020603050405020304" pitchFamily="18" charset="0"/>
+              </a:rPr>
+              <a:t>Сайт имеет современный и привлекательный дизайн, с использованием качественных изображений и ярких элементов, что создает атмосферу </a:t>
+            </a:r>
+            <a:r>
+              <a:rPr lang="ru-KZ" sz="1800" dirty="0" smtClean="0">
+                <a:latin typeface="Times New Roman" panose="02020603050405020304" pitchFamily="18" charset="0"/>
+                <a:cs typeface="Times New Roman" panose="02020603050405020304" pitchFamily="18" charset="0"/>
+              </a:rPr>
+              <a:t>обучения</a:t>
+            </a:r>
+            <a:r>
+              <a:rPr lang="ru-RU" sz="1800" dirty="0" smtClean="0">
+                <a:latin typeface="Times New Roman" panose="02020603050405020304" pitchFamily="18" charset="0"/>
+                <a:cs typeface="Times New Roman" panose="02020603050405020304" pitchFamily="18" charset="0"/>
+              </a:rPr>
+              <a:t>.</a:t>
+            </a:r>
+          </a:p>
+          <a:p>
+            <a:pPr indent="540000" algn="just">
+              <a:lnSpc>
+                <a:spcPct val="100000"/>
+              </a:lnSpc>
+              <a:spcBef>
+                <a:spcPts val="0"/>
+              </a:spcBef>
+            </a:pPr>
+            <a:r>
+              <a:rPr lang="ru-KZ" sz="1800" dirty="0" smtClean="0">
+                <a:latin typeface="Times New Roman" panose="02020603050405020304" pitchFamily="18" charset="0"/>
+                <a:cs typeface="Times New Roman" panose="02020603050405020304" pitchFamily="18" charset="0"/>
+              </a:rPr>
+              <a:t>Коэффициент привлекательности</a:t>
+            </a:r>
+            <a:r>
+              <a:rPr lang="ru-RU" sz="1800" dirty="0" smtClean="0">
+                <a:latin typeface="Times New Roman" panose="02020603050405020304" pitchFamily="18" charset="0"/>
+                <a:cs typeface="Times New Roman" panose="02020603050405020304" pitchFamily="18" charset="0"/>
+              </a:rPr>
+              <a:t>: 9/10 </a:t>
+            </a:r>
+          </a:p>
+          <a:p>
+            <a:pPr indent="540000" algn="just">
+              <a:lnSpc>
+                <a:spcPct val="100000"/>
+              </a:lnSpc>
+              <a:spcBef>
+                <a:spcPts val="0"/>
+              </a:spcBef>
+            </a:pPr>
+            <a:r>
+              <a:rPr lang="ru-KZ" sz="1800" dirty="0" smtClean="0">
+                <a:latin typeface="Times New Roman" panose="02020603050405020304" pitchFamily="18" charset="0"/>
+                <a:cs typeface="Times New Roman" panose="02020603050405020304" pitchFamily="18" charset="0"/>
+              </a:rPr>
+              <a:t>Кросс-браузерность</a:t>
+            </a:r>
+            <a:r>
+              <a:rPr lang="ru-RU" sz="1800" dirty="0" smtClean="0">
+                <a:latin typeface="Times New Roman" panose="02020603050405020304" pitchFamily="18" charset="0"/>
+                <a:cs typeface="Times New Roman" panose="02020603050405020304" pitchFamily="18" charset="0"/>
+              </a:rPr>
+              <a:t>: </a:t>
+            </a:r>
+            <a:r>
+              <a:rPr lang="ru-RU" sz="1800" dirty="0">
+                <a:latin typeface="Times New Roman" panose="02020603050405020304" pitchFamily="18" charset="0"/>
+                <a:cs typeface="Times New Roman" panose="02020603050405020304" pitchFamily="18" charset="0"/>
+              </a:rPr>
+              <a:t>с</a:t>
+            </a:r>
+            <a:r>
+              <a:rPr lang="kk-KZ" sz="1800" dirty="0" smtClean="0">
+                <a:latin typeface="Times New Roman" panose="02020603050405020304" pitchFamily="18" charset="0"/>
+                <a:cs typeface="Times New Roman" panose="02020603050405020304" pitchFamily="18" charset="0"/>
+              </a:rPr>
+              <a:t>айт </a:t>
+            </a:r>
+            <a:r>
+              <a:rPr lang="kk-KZ" sz="1800" dirty="0">
+                <a:latin typeface="Times New Roman" panose="02020603050405020304" pitchFamily="18" charset="0"/>
+                <a:cs typeface="Times New Roman" panose="02020603050405020304" pitchFamily="18" charset="0"/>
+              </a:rPr>
+              <a:t>хорошо функционирует на </a:t>
+            </a:r>
+            <a:r>
+              <a:rPr lang="kk-KZ" sz="1800" dirty="0">
+                <a:latin typeface="Times New Roman" panose="02020603050405020304" pitchFamily="18" charset="0"/>
+                <a:cs typeface="Times New Roman" panose="02020603050405020304" pitchFamily="18" charset="0"/>
+              </a:rPr>
+              <a:t>р</a:t>
+            </a:r>
+            <a:r>
+              <a:rPr lang="kk-KZ" sz="1800" dirty="0" smtClean="0">
+                <a:latin typeface="Times New Roman" panose="02020603050405020304" pitchFamily="18" charset="0"/>
+                <a:cs typeface="Times New Roman" panose="02020603050405020304" pitchFamily="18" charset="0"/>
+              </a:rPr>
+              <a:t>азличных браузерах.</a:t>
+            </a:r>
+            <a:endParaRPr lang="ru-RU" sz="1800" dirty="0" smtClean="0">
+              <a:latin typeface="Times New Roman" panose="02020603050405020304" pitchFamily="18" charset="0"/>
+              <a:cs typeface="Times New Roman" panose="02020603050405020304" pitchFamily="18" charset="0"/>
+            </a:endParaRPr>
+          </a:p>
+          <a:p>
+            <a:pPr indent="540000" algn="just">
+              <a:lnSpc>
+                <a:spcPct val="100000"/>
+              </a:lnSpc>
+              <a:spcBef>
+                <a:spcPts val="0"/>
+              </a:spcBef>
+            </a:pPr>
+            <a:r>
+              <a:rPr lang="ru-KZ" sz="1800" dirty="0" smtClean="0">
+                <a:latin typeface="Times New Roman" panose="02020603050405020304" pitchFamily="18" charset="0"/>
+                <a:cs typeface="Times New Roman" panose="02020603050405020304" pitchFamily="18" charset="0"/>
+              </a:rPr>
+              <a:t>Адаптивность</a:t>
+            </a:r>
+            <a:r>
+              <a:rPr lang="ru-RU" sz="1800" dirty="0" smtClean="0">
+                <a:latin typeface="Times New Roman" panose="02020603050405020304" pitchFamily="18" charset="0"/>
+                <a:cs typeface="Times New Roman" panose="02020603050405020304" pitchFamily="18" charset="0"/>
+              </a:rPr>
+              <a:t>: </a:t>
+            </a:r>
+            <a:r>
+              <a:rPr lang="ru-RU" sz="1800" dirty="0">
+                <a:latin typeface="Times New Roman" panose="02020603050405020304" pitchFamily="18" charset="0"/>
+                <a:cs typeface="Times New Roman" panose="02020603050405020304" pitchFamily="18" charset="0"/>
+              </a:rPr>
+              <a:t>в</a:t>
+            </a:r>
+            <a:r>
+              <a:rPr lang="ru-KZ" sz="1800" dirty="0" smtClean="0">
+                <a:latin typeface="Times New Roman" panose="02020603050405020304" pitchFamily="18" charset="0"/>
+                <a:cs typeface="Times New Roman" panose="02020603050405020304" pitchFamily="18" charset="0"/>
+              </a:rPr>
+              <a:t>ысокая </a:t>
+            </a:r>
+            <a:r>
+              <a:rPr lang="ru-KZ" sz="1800" dirty="0">
+                <a:latin typeface="Times New Roman" panose="02020603050405020304" pitchFamily="18" charset="0"/>
+                <a:cs typeface="Times New Roman" panose="02020603050405020304" pitchFamily="18" charset="0"/>
+              </a:rPr>
+              <a:t>адаптивность, позволяющая легко просматривать </a:t>
+            </a:r>
+            <a:r>
+              <a:rPr lang="kk-KZ" sz="1800" dirty="0">
+                <a:latin typeface="Times New Roman" panose="02020603050405020304" pitchFamily="18" charset="0"/>
+                <a:cs typeface="Times New Roman" panose="02020603050405020304" pitchFamily="18" charset="0"/>
+              </a:rPr>
+              <a:t>сайт</a:t>
+            </a:r>
+            <a:r>
+              <a:rPr lang="ru-KZ" sz="1800" dirty="0">
+                <a:latin typeface="Times New Roman" panose="02020603050405020304" pitchFamily="18" charset="0"/>
+                <a:cs typeface="Times New Roman" panose="02020603050405020304" pitchFamily="18" charset="0"/>
+              </a:rPr>
+              <a:t> на различных устройствах</a:t>
+            </a:r>
+            <a:endParaRPr lang="ru-RU" sz="1800" dirty="0" smtClean="0">
+              <a:latin typeface="Times New Roman" panose="02020603050405020304" pitchFamily="18" charset="0"/>
+              <a:cs typeface="Times New Roman" panose="02020603050405020304" pitchFamily="18" charset="0"/>
+            </a:endParaRPr>
+          </a:p>
+          <a:p>
+            <a:pPr indent="540000" algn="just">
+              <a:lnSpc>
+                <a:spcPct val="100000"/>
+              </a:lnSpc>
+              <a:spcBef>
+                <a:spcPts val="0"/>
+              </a:spcBef>
+            </a:pPr>
+            <a:r>
+              <a:rPr lang="ru-KZ" sz="1800" dirty="0">
+                <a:latin typeface="Times New Roman" panose="02020603050405020304" pitchFamily="18" charset="0"/>
+                <a:cs typeface="Times New Roman" panose="02020603050405020304" pitchFamily="18" charset="0"/>
+              </a:rPr>
+              <a:t>Производительность (YSlow</a:t>
+            </a:r>
+            <a:r>
+              <a:rPr lang="ru-KZ" sz="1800" dirty="0" smtClean="0">
+                <a:latin typeface="Times New Roman" panose="02020603050405020304" pitchFamily="18" charset="0"/>
+                <a:cs typeface="Times New Roman" panose="02020603050405020304" pitchFamily="18" charset="0"/>
+              </a:rPr>
+              <a:t>)</a:t>
+            </a:r>
+            <a:r>
+              <a:rPr lang="ru-RU" sz="1800" dirty="0" smtClean="0">
+                <a:latin typeface="Times New Roman" panose="02020603050405020304" pitchFamily="18" charset="0"/>
+                <a:cs typeface="Times New Roman" panose="02020603050405020304" pitchFamily="18" charset="0"/>
+              </a:rPr>
+              <a:t>: </a:t>
+            </a:r>
+            <a:r>
+              <a:rPr lang="ru-KZ" sz="1800" dirty="0">
+                <a:latin typeface="Times New Roman" panose="02020603050405020304" pitchFamily="18" charset="0"/>
+                <a:cs typeface="Times New Roman" panose="02020603050405020304" pitchFamily="18" charset="0"/>
+              </a:rPr>
+              <a:t>Загружается очень долго причина этого заключается в том, что оптимизация сайта на плохом уровне. </a:t>
+            </a:r>
+            <a:endParaRPr lang="ru-RU" sz="1800" dirty="0" smtClean="0">
+              <a:latin typeface="Times New Roman" panose="02020603050405020304" pitchFamily="18" charset="0"/>
+              <a:cs typeface="Times New Roman" panose="02020603050405020304" pitchFamily="18" charset="0"/>
+            </a:endParaRPr>
+          </a:p>
+          <a:p>
+            <a:pPr indent="540000" algn="just">
+              <a:lnSpc>
+                <a:spcPct val="100000"/>
+              </a:lnSpc>
+              <a:spcBef>
+                <a:spcPts val="0"/>
+              </a:spcBef>
+            </a:pPr>
+            <a:r>
+              <a:rPr lang="ru-KZ" sz="1800" dirty="0" smtClean="0">
+                <a:latin typeface="Times New Roman" panose="02020603050405020304" pitchFamily="18" charset="0"/>
+                <a:cs typeface="Times New Roman" panose="02020603050405020304" pitchFamily="18" charset="0"/>
+              </a:rPr>
+              <a:t>Скорость </a:t>
+            </a:r>
+            <a:r>
+              <a:rPr lang="ru-KZ" sz="1800" dirty="0">
+                <a:latin typeface="Times New Roman" panose="02020603050405020304" pitchFamily="18" charset="0"/>
+                <a:cs typeface="Times New Roman" panose="02020603050405020304" pitchFamily="18" charset="0"/>
+              </a:rPr>
+              <a:t>загрузки (</a:t>
+            </a:r>
+            <a:r>
+              <a:rPr lang="ru-KZ" sz="1800" i="1" dirty="0">
+                <a:latin typeface="Times New Roman" panose="02020603050405020304" pitchFamily="18" charset="0"/>
+                <a:cs typeface="Times New Roman" panose="02020603050405020304" pitchFamily="18" charset="0"/>
+              </a:rPr>
+              <a:t>F</a:t>
+            </a:r>
+            <a:r>
+              <a:rPr lang="ru-KZ" sz="1800" dirty="0" smtClean="0">
+                <a:latin typeface="Times New Roman" panose="02020603050405020304" pitchFamily="18" charset="0"/>
+                <a:cs typeface="Times New Roman" panose="02020603050405020304" pitchFamily="18" charset="0"/>
+              </a:rPr>
+              <a:t>)</a:t>
+            </a:r>
+            <a:r>
+              <a:rPr lang="ru-RU" sz="1800" dirty="0" smtClean="0">
+                <a:latin typeface="Times New Roman" panose="02020603050405020304" pitchFamily="18" charset="0"/>
+                <a:cs typeface="Times New Roman" panose="02020603050405020304" pitchFamily="18" charset="0"/>
+              </a:rPr>
+              <a:t>: 5/10</a:t>
+            </a:r>
+          </a:p>
+          <a:p>
+            <a:pPr indent="540000" algn="just">
+              <a:lnSpc>
+                <a:spcPct val="100000"/>
+              </a:lnSpc>
+              <a:spcBef>
+                <a:spcPts val="0"/>
+              </a:spcBef>
+            </a:pPr>
+            <a:endParaRPr lang="ru-RU" sz="1800" dirty="0" smtClean="0">
+              <a:latin typeface="Times New Roman" panose="02020603050405020304" pitchFamily="18" charset="0"/>
+              <a:cs typeface="Times New Roman" panose="02020603050405020304" pitchFamily="18" charset="0"/>
+            </a:endParaRPr>
+          </a:p>
+          <a:p>
+            <a:pPr indent="540000" algn="just">
+              <a:lnSpc>
+                <a:spcPct val="100000"/>
+              </a:lnSpc>
+              <a:spcBef>
+                <a:spcPts val="0"/>
+              </a:spcBef>
+            </a:pPr>
+            <a:endParaRPr lang="ru-RU" sz="1800" dirty="0">
+              <a:latin typeface="Times New Roman" panose="02020603050405020304" pitchFamily="18" charset="0"/>
+              <a:cs typeface="Times New Roman" panose="02020603050405020304" pitchFamily="18" charset="0"/>
+            </a:endParaRPr>
+          </a:p>
+        </p:txBody>
+      </p:sp>
     </p:spTree>
     <p:extLst>
       <p:ext uri="{BB962C8B-B14F-4D97-AF65-F5344CB8AC3E}">
-        <p14:creationId xmlns:p14="http://schemas.microsoft.com/office/powerpoint/2010/main" val="3505323342"/>
+        <p14:creationId xmlns:p14="http://schemas.microsoft.com/office/powerpoint/2010/main" val="747998048"/>
       </p:ext>
     </p:extLst>
   </p:cSld>
@@ -6342,8 +7756,8 @@
         </p:nvSpPr>
         <p:spPr>
           <a:xfrm>
-            <a:off x="2152651" y="1"/>
-            <a:ext cx="7886698" cy="651995"/>
+            <a:off x="838200" y="361685"/>
+            <a:ext cx="10515600" cy="561684"/>
           </a:xfrm>
         </p:spPr>
         <p:txBody>
@@ -6352,18 +7766,30 @@
           </a:bodyPr>
           <a:lstStyle/>
           <a:p>
-            <a:pPr algn="ctr"/>
-            <a:r>
-              <a:rPr lang="ru-RU" sz="3600" dirty="0" smtClean="0"/>
-              <a:t>Интерфейс</a:t>
-            </a:r>
-            <a:endParaRPr lang="en-US" sz="3600" dirty="0"/>
-          </a:p>
-        </p:txBody>
-      </p:sp>
-      <p:sp>
-        <p:nvSpPr>
-          <p:cNvPr id="8" name="Номер слайда 7"/>
+            <a:pPr algn="ctr" fontAlgn="base"/>
+            <a:r>
+              <a:rPr lang="ru-RU" dirty="0"/>
+              <a:t>С</a:t>
+            </a:r>
+            <a:r>
+              <a:rPr lang="ru-RU" dirty="0" smtClean="0"/>
+              <a:t>труктурная </a:t>
+            </a:r>
+            <a:r>
+              <a:rPr lang="ru-RU" dirty="0"/>
+              <a:t>схема </a:t>
+            </a:r>
+            <a:r>
+              <a:rPr lang="ru-RU" dirty="0" smtClean="0"/>
+              <a:t>проекта</a:t>
+            </a:r>
+            <a:endParaRPr lang="ru-RU" dirty="0"/>
+          </a:p>
+        </p:txBody>
+      </p:sp>
+      <p:sp>
+        <p:nvSpPr>
+          <p:cNvPr id="9" name="Номер слайда 8"/>
           <p:cNvSpPr>
             <a:spLocks noGrp="1"/>
           </p:cNvSpPr>
@@ -6397,10 +7823,934 @@
           </a:p>
         </p:txBody>
       </p:sp>
+      <p:grpSp>
+        <p:nvGrpSpPr>
+          <p:cNvPr id="40" name="Группа 39"/>
+          <p:cNvGrpSpPr/>
+          <p:nvPr/>
+        </p:nvGrpSpPr>
+        <p:grpSpPr>
+          <a:xfrm>
+            <a:off x="1094790" y="1250303"/>
+            <a:ext cx="10015117" cy="3882074"/>
+            <a:chOff x="1094790" y="1222311"/>
+            <a:chExt cx="10015117" cy="3882074"/>
+          </a:xfrm>
+        </p:grpSpPr>
+        <p:sp>
+          <p:nvSpPr>
+            <p:cNvPr id="3" name="Прямоугольник 2"/>
+            <p:cNvSpPr/>
+            <p:nvPr/>
+          </p:nvSpPr>
+          <p:spPr>
+            <a:xfrm>
+              <a:off x="5218922" y="1222311"/>
+              <a:ext cx="1754155" cy="569167"/>
+            </a:xfrm>
+            <a:prstGeom prst="rect">
+              <a:avLst/>
+            </a:prstGeom>
+          </p:spPr>
+          <p:style>
+            <a:lnRef idx="2">
+              <a:schemeClr val="dk1"/>
+            </a:lnRef>
+            <a:fillRef idx="1">
+              <a:schemeClr val="lt1"/>
+            </a:fillRef>
+            <a:effectRef idx="0">
+              <a:schemeClr val="dk1"/>
+            </a:effectRef>
+            <a:fontRef idx="minor">
+              <a:schemeClr val="dk1"/>
+            </a:fontRef>
+          </p:style>
+          <p:txBody>
+            <a:bodyPr rtlCol="0" anchor="ctr"/>
+            <a:lstStyle/>
+            <a:p>
+              <a:pPr algn="ctr"/>
+              <a:r>
+                <a:rPr lang="ru-RU" dirty="0" smtClean="0"/>
+                <a:t>Главная</a:t>
+              </a:r>
+              <a:endParaRPr lang="en-US" dirty="0"/>
+            </a:p>
+          </p:txBody>
+        </p:sp>
+        <p:sp>
+          <p:nvSpPr>
+            <p:cNvPr id="5" name="Прямоугольник 4"/>
+            <p:cNvSpPr/>
+            <p:nvPr/>
+          </p:nvSpPr>
+          <p:spPr>
+            <a:xfrm>
+              <a:off x="1094792" y="2197359"/>
+              <a:ext cx="1754155" cy="569167"/>
+            </a:xfrm>
+            <a:prstGeom prst="rect">
+              <a:avLst/>
+            </a:prstGeom>
+          </p:spPr>
+          <p:style>
+            <a:lnRef idx="2">
+              <a:schemeClr val="dk1"/>
+            </a:lnRef>
+            <a:fillRef idx="1">
+              <a:schemeClr val="lt1"/>
+            </a:fillRef>
+            <a:effectRef idx="0">
+              <a:schemeClr val="dk1"/>
+            </a:effectRef>
+            <a:fontRef idx="minor">
+              <a:schemeClr val="dk1"/>
+            </a:fontRef>
+          </p:style>
+          <p:txBody>
+            <a:bodyPr rtlCol="0" anchor="ctr"/>
+            <a:lstStyle/>
+            <a:p>
+              <a:pPr algn="ctr"/>
+              <a:r>
+                <a:rPr lang="ru-RU" dirty="0" smtClean="0"/>
+                <a:t>Учителя</a:t>
+              </a:r>
+              <a:endParaRPr lang="en-US" dirty="0"/>
+            </a:p>
+          </p:txBody>
+        </p:sp>
+        <p:sp>
+          <p:nvSpPr>
+            <p:cNvPr id="6" name="Прямоугольник 5"/>
+            <p:cNvSpPr/>
+            <p:nvPr/>
+          </p:nvSpPr>
+          <p:spPr>
+            <a:xfrm>
+              <a:off x="3156857" y="2197359"/>
+              <a:ext cx="1754155" cy="569167"/>
+            </a:xfrm>
+            <a:prstGeom prst="rect">
+              <a:avLst/>
+            </a:prstGeom>
+          </p:spPr>
+          <p:style>
+            <a:lnRef idx="2">
+              <a:schemeClr val="dk1"/>
+            </a:lnRef>
+            <a:fillRef idx="1">
+              <a:schemeClr val="lt1"/>
+            </a:fillRef>
+            <a:effectRef idx="0">
+              <a:schemeClr val="dk1"/>
+            </a:effectRef>
+            <a:fontRef idx="minor">
+              <a:schemeClr val="dk1"/>
+            </a:fontRef>
+          </p:style>
+          <p:txBody>
+            <a:bodyPr rtlCol="0" anchor="ctr"/>
+            <a:lstStyle/>
+            <a:p>
+              <a:pPr algn="ctr"/>
+              <a:r>
+                <a:rPr lang="ru-RU" dirty="0" smtClean="0"/>
+                <a:t>Курсы</a:t>
+              </a:r>
+              <a:endParaRPr lang="en-US" dirty="0"/>
+            </a:p>
+          </p:txBody>
+        </p:sp>
+        <p:sp>
+          <p:nvSpPr>
+            <p:cNvPr id="7" name="Прямоугольник 6"/>
+            <p:cNvSpPr/>
+            <p:nvPr/>
+          </p:nvSpPr>
+          <p:spPr>
+            <a:xfrm>
+              <a:off x="5218922" y="2197359"/>
+              <a:ext cx="1754155" cy="569167"/>
+            </a:xfrm>
+            <a:prstGeom prst="rect">
+              <a:avLst/>
+            </a:prstGeom>
+          </p:spPr>
+          <p:style>
+            <a:lnRef idx="2">
+              <a:schemeClr val="dk1"/>
+            </a:lnRef>
+            <a:fillRef idx="1">
+              <a:schemeClr val="lt1"/>
+            </a:fillRef>
+            <a:effectRef idx="0">
+              <a:schemeClr val="dk1"/>
+            </a:effectRef>
+            <a:fontRef idx="minor">
+              <a:schemeClr val="dk1"/>
+            </a:fontRef>
+          </p:style>
+          <p:txBody>
+            <a:bodyPr rtlCol="0" anchor="ctr"/>
+            <a:lstStyle/>
+            <a:p>
+              <a:pPr algn="ctr"/>
+              <a:r>
+                <a:rPr lang="ru-RU" dirty="0" smtClean="0"/>
+                <a:t>Новости</a:t>
+              </a:r>
+              <a:endParaRPr lang="en-US" dirty="0"/>
+            </a:p>
+          </p:txBody>
+        </p:sp>
+        <p:sp>
+          <p:nvSpPr>
+            <p:cNvPr id="8" name="Прямоугольник 7"/>
+            <p:cNvSpPr/>
+            <p:nvPr/>
+          </p:nvSpPr>
+          <p:spPr>
+            <a:xfrm>
+              <a:off x="7280987" y="2197359"/>
+              <a:ext cx="1754155" cy="569167"/>
+            </a:xfrm>
+            <a:prstGeom prst="rect">
+              <a:avLst/>
+            </a:prstGeom>
+          </p:spPr>
+          <p:style>
+            <a:lnRef idx="2">
+              <a:schemeClr val="dk1"/>
+            </a:lnRef>
+            <a:fillRef idx="1">
+              <a:schemeClr val="lt1"/>
+            </a:fillRef>
+            <a:effectRef idx="0">
+              <a:schemeClr val="dk1"/>
+            </a:effectRef>
+            <a:fontRef idx="minor">
+              <a:schemeClr val="dk1"/>
+            </a:fontRef>
+          </p:style>
+          <p:txBody>
+            <a:bodyPr rtlCol="0" anchor="ctr"/>
+            <a:lstStyle/>
+            <a:p>
+              <a:pPr algn="ctr"/>
+              <a:r>
+                <a:rPr lang="ru-RU" dirty="0" smtClean="0"/>
+                <a:t>Контакты</a:t>
+              </a:r>
+              <a:endParaRPr lang="en-US" dirty="0"/>
+            </a:p>
+          </p:txBody>
+        </p:sp>
+        <p:sp>
+          <p:nvSpPr>
+            <p:cNvPr id="10" name="Прямоугольник 9"/>
+            <p:cNvSpPr/>
+            <p:nvPr/>
+          </p:nvSpPr>
+          <p:spPr>
+            <a:xfrm>
+              <a:off x="9343052" y="2197359"/>
+              <a:ext cx="1754155" cy="569167"/>
+            </a:xfrm>
+            <a:prstGeom prst="rect">
+              <a:avLst/>
+            </a:prstGeom>
+          </p:spPr>
+          <p:style>
+            <a:lnRef idx="2">
+              <a:schemeClr val="dk1"/>
+            </a:lnRef>
+            <a:fillRef idx="1">
+              <a:schemeClr val="lt1"/>
+            </a:fillRef>
+            <a:effectRef idx="0">
+              <a:schemeClr val="dk1"/>
+            </a:effectRef>
+            <a:fontRef idx="minor">
+              <a:schemeClr val="dk1"/>
+            </a:fontRef>
+          </p:style>
+          <p:txBody>
+            <a:bodyPr rtlCol="0" anchor="ctr"/>
+            <a:lstStyle/>
+            <a:p>
+              <a:pPr algn="ctr"/>
+              <a:r>
+                <a:rPr lang="ru-RU" dirty="0" smtClean="0"/>
+                <a:t>О нас</a:t>
+              </a:r>
+              <a:endParaRPr lang="en-US" dirty="0"/>
+            </a:p>
+          </p:txBody>
+        </p:sp>
+        <p:sp>
+          <p:nvSpPr>
+            <p:cNvPr id="11" name="Прямоугольник 10"/>
+            <p:cNvSpPr/>
+            <p:nvPr/>
+          </p:nvSpPr>
+          <p:spPr>
+            <a:xfrm>
+              <a:off x="1094791" y="2976645"/>
+              <a:ext cx="2329544" cy="569167"/>
+            </a:xfrm>
+            <a:prstGeom prst="rect">
+              <a:avLst/>
+            </a:prstGeom>
+          </p:spPr>
+          <p:style>
+            <a:lnRef idx="2">
+              <a:schemeClr val="dk1"/>
+            </a:lnRef>
+            <a:fillRef idx="1">
+              <a:schemeClr val="lt1"/>
+            </a:fillRef>
+            <a:effectRef idx="0">
+              <a:schemeClr val="dk1"/>
+            </a:effectRef>
+            <a:fontRef idx="minor">
+              <a:schemeClr val="dk1"/>
+            </a:fontRef>
+          </p:style>
+          <p:txBody>
+            <a:bodyPr rtlCol="0" anchor="ctr"/>
+            <a:lstStyle/>
+            <a:p>
+              <a:pPr algn="ctr"/>
+              <a:r>
+                <a:rPr lang="ru-RU" dirty="0" smtClean="0"/>
+                <a:t>Профессиональные квалификации</a:t>
+              </a:r>
+              <a:endParaRPr lang="en-US" dirty="0"/>
+            </a:p>
+          </p:txBody>
+        </p:sp>
+        <p:sp>
+          <p:nvSpPr>
+            <p:cNvPr id="12" name="Прямоугольник 11"/>
+            <p:cNvSpPr/>
+            <p:nvPr/>
+          </p:nvSpPr>
+          <p:spPr>
+            <a:xfrm>
+              <a:off x="1094791" y="3755931"/>
+              <a:ext cx="2329544" cy="569167"/>
+            </a:xfrm>
+            <a:prstGeom prst="rect">
+              <a:avLst/>
+            </a:prstGeom>
+          </p:spPr>
+          <p:style>
+            <a:lnRef idx="2">
+              <a:schemeClr val="dk1"/>
+            </a:lnRef>
+            <a:fillRef idx="1">
+              <a:schemeClr val="lt1"/>
+            </a:fillRef>
+            <a:effectRef idx="0">
+              <a:schemeClr val="dk1"/>
+            </a:effectRef>
+            <a:fontRef idx="minor">
+              <a:schemeClr val="dk1"/>
+            </a:fontRef>
+          </p:style>
+          <p:txBody>
+            <a:bodyPr rtlCol="0" anchor="ctr"/>
+            <a:lstStyle/>
+            <a:p>
+              <a:pPr algn="ctr"/>
+              <a:r>
+                <a:rPr lang="ru-RU" dirty="0" smtClean="0"/>
+                <a:t>Методические материалы</a:t>
+              </a:r>
+              <a:endParaRPr lang="en-US" dirty="0"/>
+            </a:p>
+          </p:txBody>
+        </p:sp>
+        <p:sp>
+          <p:nvSpPr>
+            <p:cNvPr id="13" name="Прямоугольник 12"/>
+            <p:cNvSpPr/>
+            <p:nvPr/>
+          </p:nvSpPr>
+          <p:spPr>
+            <a:xfrm>
+              <a:off x="1094790" y="4535218"/>
+              <a:ext cx="2329545" cy="569167"/>
+            </a:xfrm>
+            <a:prstGeom prst="rect">
+              <a:avLst/>
+            </a:prstGeom>
+          </p:spPr>
+          <p:style>
+            <a:lnRef idx="2">
+              <a:schemeClr val="dk1"/>
+            </a:lnRef>
+            <a:fillRef idx="1">
+              <a:schemeClr val="lt1"/>
+            </a:fillRef>
+            <a:effectRef idx="0">
+              <a:schemeClr val="dk1"/>
+            </a:effectRef>
+            <a:fontRef idx="minor">
+              <a:schemeClr val="dk1"/>
+            </a:fontRef>
+          </p:style>
+          <p:txBody>
+            <a:bodyPr rtlCol="0" anchor="ctr"/>
+            <a:lstStyle/>
+            <a:p>
+              <a:pPr algn="ctr"/>
+              <a:r>
+                <a:rPr lang="ru-RU" dirty="0" smtClean="0"/>
+                <a:t>Педагогический опыт</a:t>
+              </a:r>
+              <a:endParaRPr lang="en-US" dirty="0"/>
+            </a:p>
+          </p:txBody>
+        </p:sp>
+        <p:sp>
+          <p:nvSpPr>
+            <p:cNvPr id="14" name="Прямоугольник 13"/>
+            <p:cNvSpPr/>
+            <p:nvPr/>
+          </p:nvSpPr>
+          <p:spPr>
+            <a:xfrm>
+              <a:off x="9343052" y="2976645"/>
+              <a:ext cx="1754155" cy="569167"/>
+            </a:xfrm>
+            <a:prstGeom prst="rect">
+              <a:avLst/>
+            </a:prstGeom>
+          </p:spPr>
+          <p:style>
+            <a:lnRef idx="2">
+              <a:schemeClr val="dk1"/>
+            </a:lnRef>
+            <a:fillRef idx="1">
+              <a:schemeClr val="lt1"/>
+            </a:fillRef>
+            <a:effectRef idx="0">
+              <a:schemeClr val="dk1"/>
+            </a:effectRef>
+            <a:fontRef idx="minor">
+              <a:schemeClr val="dk1"/>
+            </a:fontRef>
+          </p:style>
+          <p:txBody>
+            <a:bodyPr rtlCol="0" anchor="ctr"/>
+            <a:lstStyle/>
+            <a:p>
+              <a:pPr algn="ctr"/>
+              <a:r>
+                <a:rPr lang="ru-RU" dirty="0" smtClean="0"/>
+                <a:t>Наш коллектив</a:t>
+              </a:r>
+              <a:endParaRPr lang="en-US" dirty="0"/>
+            </a:p>
+          </p:txBody>
+        </p:sp>
+        <p:sp>
+          <p:nvSpPr>
+            <p:cNvPr id="15" name="Прямоугольник 14"/>
+            <p:cNvSpPr/>
+            <p:nvPr/>
+          </p:nvSpPr>
+          <p:spPr>
+            <a:xfrm>
+              <a:off x="9343052" y="4535218"/>
+              <a:ext cx="1754155" cy="569167"/>
+            </a:xfrm>
+            <a:prstGeom prst="rect">
+              <a:avLst/>
+            </a:prstGeom>
+          </p:spPr>
+          <p:style>
+            <a:lnRef idx="2">
+              <a:schemeClr val="dk1"/>
+            </a:lnRef>
+            <a:fillRef idx="1">
+              <a:schemeClr val="lt1"/>
+            </a:fillRef>
+            <a:effectRef idx="0">
+              <a:schemeClr val="dk1"/>
+            </a:effectRef>
+            <a:fontRef idx="minor">
+              <a:schemeClr val="dk1"/>
+            </a:fontRef>
+          </p:style>
+          <p:txBody>
+            <a:bodyPr rtlCol="0" anchor="ctr"/>
+            <a:lstStyle/>
+            <a:p>
+              <a:pPr algn="ctr"/>
+              <a:r>
+                <a:rPr lang="ru-RU" dirty="0" smtClean="0"/>
+                <a:t>Миссия и ценности</a:t>
+              </a:r>
+              <a:endParaRPr lang="en-US" dirty="0"/>
+            </a:p>
+          </p:txBody>
+        </p:sp>
+        <p:sp>
+          <p:nvSpPr>
+            <p:cNvPr id="16" name="Прямоугольник 15"/>
+            <p:cNvSpPr/>
+            <p:nvPr/>
+          </p:nvSpPr>
+          <p:spPr>
+            <a:xfrm>
+              <a:off x="9343051" y="3755931"/>
+              <a:ext cx="1754155" cy="569167"/>
+            </a:xfrm>
+            <a:prstGeom prst="rect">
+              <a:avLst/>
+            </a:prstGeom>
+          </p:spPr>
+          <p:style>
+            <a:lnRef idx="2">
+              <a:schemeClr val="dk1"/>
+            </a:lnRef>
+            <a:fillRef idx="1">
+              <a:schemeClr val="lt1"/>
+            </a:fillRef>
+            <a:effectRef idx="0">
+              <a:schemeClr val="dk1"/>
+            </a:effectRef>
+            <a:fontRef idx="minor">
+              <a:schemeClr val="dk1"/>
+            </a:fontRef>
+          </p:style>
+          <p:txBody>
+            <a:bodyPr rtlCol="0" anchor="ctr"/>
+            <a:lstStyle/>
+            <a:p>
+              <a:pPr algn="ctr"/>
+              <a:r>
+                <a:rPr lang="ru-RU" dirty="0" smtClean="0"/>
+                <a:t>История</a:t>
+              </a:r>
+              <a:endParaRPr lang="en-US" dirty="0"/>
+            </a:p>
+          </p:txBody>
+        </p:sp>
+        <p:grpSp>
+          <p:nvGrpSpPr>
+            <p:cNvPr id="28" name="Группа 27"/>
+            <p:cNvGrpSpPr/>
+            <p:nvPr/>
+          </p:nvGrpSpPr>
+          <p:grpSpPr>
+            <a:xfrm>
+              <a:off x="1094790" y="2481942"/>
+              <a:ext cx="3" cy="2337859"/>
+              <a:chOff x="1094790" y="2481942"/>
+              <a:chExt cx="3" cy="2337859"/>
+            </a:xfrm>
+          </p:grpSpPr>
+          <p:cxnSp>
+            <p:nvCxnSpPr>
+              <p:cNvPr id="17" name="Соединительная линия уступом 16"/>
+              <p:cNvCxnSpPr>
+                <a:stCxn id="5" idx="1"/>
+                <a:endCxn id="11" idx="1"/>
+              </p:cNvCxnSpPr>
+              <p:nvPr/>
+            </p:nvCxnSpPr>
+            <p:spPr>
+              <a:xfrm rot="10800000" flipV="1">
+                <a:off x="1094792" y="2481943"/>
+                <a:ext cx="1" cy="779286"/>
+              </a:xfrm>
+              <a:prstGeom prst="bentConnector3">
+                <a:avLst>
+                  <a:gd name="adj1" fmla="val 22860100000"/>
+                </a:avLst>
+              </a:prstGeom>
+            </p:spPr>
+            <p:style>
+              <a:lnRef idx="1">
+                <a:schemeClr val="dk1"/>
+              </a:lnRef>
+              <a:fillRef idx="0">
+                <a:schemeClr val="dk1"/>
+              </a:fillRef>
+              <a:effectRef idx="0">
+                <a:schemeClr val="dk1"/>
+              </a:effectRef>
+              <a:fontRef idx="minor">
+                <a:schemeClr val="tx1"/>
+              </a:fontRef>
+            </p:style>
+          </p:cxnSp>
+          <p:cxnSp>
+            <p:nvCxnSpPr>
+              <p:cNvPr id="19" name="Соединительная линия уступом 18"/>
+              <p:cNvCxnSpPr>
+                <a:stCxn id="5" idx="1"/>
+                <a:endCxn id="12" idx="1"/>
+              </p:cNvCxnSpPr>
+              <p:nvPr/>
+            </p:nvCxnSpPr>
+            <p:spPr>
+              <a:xfrm rot="10800000" flipV="1">
+                <a:off x="1094792" y="2481943"/>
+                <a:ext cx="1" cy="1558572"/>
+              </a:xfrm>
+              <a:prstGeom prst="bentConnector3">
+                <a:avLst>
+                  <a:gd name="adj1" fmla="val 22860100000"/>
+                </a:avLst>
+              </a:prstGeom>
+            </p:spPr>
+            <p:style>
+              <a:lnRef idx="1">
+                <a:schemeClr val="dk1"/>
+              </a:lnRef>
+              <a:fillRef idx="0">
+                <a:schemeClr val="dk1"/>
+              </a:fillRef>
+              <a:effectRef idx="0">
+                <a:schemeClr val="dk1"/>
+              </a:effectRef>
+              <a:fontRef idx="minor">
+                <a:schemeClr val="tx1"/>
+              </a:fontRef>
+            </p:style>
+          </p:cxnSp>
+          <p:cxnSp>
+            <p:nvCxnSpPr>
+              <p:cNvPr id="21" name="Соединительная линия уступом 20"/>
+              <p:cNvCxnSpPr>
+                <a:stCxn id="5" idx="1"/>
+                <a:endCxn id="13" idx="1"/>
+              </p:cNvCxnSpPr>
+              <p:nvPr/>
+            </p:nvCxnSpPr>
+            <p:spPr>
+              <a:xfrm rot="10800000" flipV="1">
+                <a:off x="1094790" y="2481942"/>
+                <a:ext cx="2" cy="2337859"/>
+              </a:xfrm>
+              <a:prstGeom prst="bentConnector3">
+                <a:avLst>
+                  <a:gd name="adj1" fmla="val 11430100000"/>
+                </a:avLst>
+              </a:prstGeom>
+            </p:spPr>
+            <p:style>
+              <a:lnRef idx="1">
+                <a:schemeClr val="dk1"/>
+              </a:lnRef>
+              <a:fillRef idx="0">
+                <a:schemeClr val="dk1"/>
+              </a:fillRef>
+              <a:effectRef idx="0">
+                <a:schemeClr val="dk1"/>
+              </a:effectRef>
+              <a:fontRef idx="minor">
+                <a:schemeClr val="tx1"/>
+              </a:fontRef>
+            </p:style>
+          </p:cxnSp>
+        </p:grpSp>
+        <p:grpSp>
+          <p:nvGrpSpPr>
+            <p:cNvPr id="29" name="Группа 28"/>
+            <p:cNvGrpSpPr/>
+            <p:nvPr/>
+          </p:nvGrpSpPr>
+          <p:grpSpPr>
+            <a:xfrm>
+              <a:off x="11097206" y="2481943"/>
+              <a:ext cx="12701" cy="2337859"/>
+              <a:chOff x="11097206" y="2481943"/>
+              <a:chExt cx="12701" cy="2337859"/>
+            </a:xfrm>
+          </p:grpSpPr>
+          <p:cxnSp>
+            <p:nvCxnSpPr>
+              <p:cNvPr id="23" name="Соединительная линия уступом 22"/>
+              <p:cNvCxnSpPr>
+                <a:stCxn id="10" idx="3"/>
+                <a:endCxn id="14" idx="3"/>
+              </p:cNvCxnSpPr>
+              <p:nvPr/>
+            </p:nvCxnSpPr>
+            <p:spPr>
+              <a:xfrm>
+                <a:off x="11097207" y="2481943"/>
+                <a:ext cx="12700" cy="779286"/>
+              </a:xfrm>
+              <a:prstGeom prst="bentConnector3">
+                <a:avLst>
+                  <a:gd name="adj1" fmla="val 1800000"/>
+                </a:avLst>
+              </a:prstGeom>
+            </p:spPr>
+            <p:style>
+              <a:lnRef idx="1">
+                <a:schemeClr val="dk1"/>
+              </a:lnRef>
+              <a:fillRef idx="0">
+                <a:schemeClr val="dk1"/>
+              </a:fillRef>
+              <a:effectRef idx="0">
+                <a:schemeClr val="dk1"/>
+              </a:effectRef>
+              <a:fontRef idx="minor">
+                <a:schemeClr val="tx1"/>
+              </a:fontRef>
+            </p:style>
+          </p:cxnSp>
+          <p:cxnSp>
+            <p:nvCxnSpPr>
+              <p:cNvPr id="25" name="Соединительная линия уступом 24"/>
+              <p:cNvCxnSpPr>
+                <a:stCxn id="10" idx="3"/>
+                <a:endCxn id="16" idx="3"/>
+              </p:cNvCxnSpPr>
+              <p:nvPr/>
+            </p:nvCxnSpPr>
+            <p:spPr>
+              <a:xfrm flipH="1">
+                <a:off x="11097206" y="2481943"/>
+                <a:ext cx="1" cy="1558572"/>
+              </a:xfrm>
+              <a:prstGeom prst="bentConnector3">
+                <a:avLst>
+                  <a:gd name="adj1" fmla="val -22860000000"/>
+                </a:avLst>
+              </a:prstGeom>
+            </p:spPr>
+            <p:style>
+              <a:lnRef idx="1">
+                <a:schemeClr val="dk1"/>
+              </a:lnRef>
+              <a:fillRef idx="0">
+                <a:schemeClr val="dk1"/>
+              </a:fillRef>
+              <a:effectRef idx="0">
+                <a:schemeClr val="dk1"/>
+              </a:effectRef>
+              <a:fontRef idx="minor">
+                <a:schemeClr val="tx1"/>
+              </a:fontRef>
+            </p:style>
+          </p:cxnSp>
+          <p:cxnSp>
+            <p:nvCxnSpPr>
+              <p:cNvPr id="27" name="Соединительная линия уступом 26"/>
+              <p:cNvCxnSpPr>
+                <a:stCxn id="10" idx="3"/>
+                <a:endCxn id="15" idx="3"/>
+              </p:cNvCxnSpPr>
+              <p:nvPr/>
+            </p:nvCxnSpPr>
+            <p:spPr>
+              <a:xfrm>
+                <a:off x="11097207" y="2481943"/>
+                <a:ext cx="12700" cy="2337859"/>
+              </a:xfrm>
+              <a:prstGeom prst="bentConnector3">
+                <a:avLst>
+                  <a:gd name="adj1" fmla="val 1800000"/>
+                </a:avLst>
+              </a:prstGeom>
+            </p:spPr>
+            <p:style>
+              <a:lnRef idx="1">
+                <a:schemeClr val="dk1"/>
+              </a:lnRef>
+              <a:fillRef idx="0">
+                <a:schemeClr val="dk1"/>
+              </a:fillRef>
+              <a:effectRef idx="0">
+                <a:schemeClr val="dk1"/>
+              </a:effectRef>
+              <a:fontRef idx="minor">
+                <a:schemeClr val="tx1"/>
+              </a:fontRef>
+            </p:style>
+          </p:cxnSp>
+        </p:grpSp>
+        <p:cxnSp>
+          <p:nvCxnSpPr>
+            <p:cNvPr id="31" name="Прямая соединительная линия 30"/>
+            <p:cNvCxnSpPr>
+              <a:stCxn id="5" idx="0"/>
+              <a:endCxn id="3" idx="2"/>
+            </p:cNvCxnSpPr>
+            <p:nvPr/>
+          </p:nvCxnSpPr>
+          <p:spPr>
+            <a:xfrm flipV="1">
+              <a:off x="1971870" y="1791478"/>
+              <a:ext cx="4124130" cy="405881"/>
+            </a:xfrm>
+            <a:prstGeom prst="line">
+              <a:avLst/>
+            </a:prstGeom>
+          </p:spPr>
+          <p:style>
+            <a:lnRef idx="1">
+              <a:schemeClr val="dk1"/>
+            </a:lnRef>
+            <a:fillRef idx="0">
+              <a:schemeClr val="dk1"/>
+            </a:fillRef>
+            <a:effectRef idx="0">
+              <a:schemeClr val="dk1"/>
+            </a:effectRef>
+            <a:fontRef idx="minor">
+              <a:schemeClr val="tx1"/>
+            </a:fontRef>
+          </p:style>
+        </p:cxnSp>
+        <p:cxnSp>
+          <p:nvCxnSpPr>
+            <p:cNvPr id="33" name="Прямая соединительная линия 32"/>
+            <p:cNvCxnSpPr>
+              <a:stCxn id="6" idx="0"/>
+              <a:endCxn id="3" idx="2"/>
+            </p:cNvCxnSpPr>
+            <p:nvPr/>
+          </p:nvCxnSpPr>
+          <p:spPr>
+            <a:xfrm flipV="1">
+              <a:off x="4033935" y="1791478"/>
+              <a:ext cx="2062065" cy="405881"/>
+            </a:xfrm>
+            <a:prstGeom prst="line">
+              <a:avLst/>
+            </a:prstGeom>
+          </p:spPr>
+          <p:style>
+            <a:lnRef idx="1">
+              <a:schemeClr val="dk1"/>
+            </a:lnRef>
+            <a:fillRef idx="0">
+              <a:schemeClr val="dk1"/>
+            </a:fillRef>
+            <a:effectRef idx="0">
+              <a:schemeClr val="dk1"/>
+            </a:effectRef>
+            <a:fontRef idx="minor">
+              <a:schemeClr val="tx1"/>
+            </a:fontRef>
+          </p:style>
+        </p:cxnSp>
+        <p:cxnSp>
+          <p:nvCxnSpPr>
+            <p:cNvPr id="35" name="Прямая соединительная линия 34"/>
+            <p:cNvCxnSpPr>
+              <a:stCxn id="3" idx="2"/>
+              <a:endCxn id="7" idx="0"/>
+            </p:cNvCxnSpPr>
+            <p:nvPr/>
+          </p:nvCxnSpPr>
+          <p:spPr>
+            <a:xfrm>
+              <a:off x="6096000" y="1791478"/>
+              <a:ext cx="0" cy="405881"/>
+            </a:xfrm>
+            <a:prstGeom prst="line">
+              <a:avLst/>
+            </a:prstGeom>
+          </p:spPr>
+          <p:style>
+            <a:lnRef idx="1">
+              <a:schemeClr val="dk1"/>
+            </a:lnRef>
+            <a:fillRef idx="0">
+              <a:schemeClr val="dk1"/>
+            </a:fillRef>
+            <a:effectRef idx="0">
+              <a:schemeClr val="dk1"/>
+            </a:effectRef>
+            <a:fontRef idx="minor">
+              <a:schemeClr val="tx1"/>
+            </a:fontRef>
+          </p:style>
+        </p:cxnSp>
+        <p:cxnSp>
+          <p:nvCxnSpPr>
+            <p:cNvPr id="37" name="Прямая соединительная линия 36"/>
+            <p:cNvCxnSpPr>
+              <a:stCxn id="3" idx="2"/>
+              <a:endCxn id="8" idx="0"/>
+            </p:cNvCxnSpPr>
+            <p:nvPr/>
+          </p:nvCxnSpPr>
+          <p:spPr>
+            <a:xfrm>
+              <a:off x="6096000" y="1791478"/>
+              <a:ext cx="2062065" cy="405881"/>
+            </a:xfrm>
+            <a:prstGeom prst="line">
+              <a:avLst/>
+            </a:prstGeom>
+          </p:spPr>
+          <p:style>
+            <a:lnRef idx="1">
+              <a:schemeClr val="dk1"/>
+            </a:lnRef>
+            <a:fillRef idx="0">
+              <a:schemeClr val="dk1"/>
+            </a:fillRef>
+            <a:effectRef idx="0">
+              <a:schemeClr val="dk1"/>
+            </a:effectRef>
+            <a:fontRef idx="minor">
+              <a:schemeClr val="tx1"/>
+            </a:fontRef>
+          </p:style>
+        </p:cxnSp>
+        <p:cxnSp>
+          <p:nvCxnSpPr>
+            <p:cNvPr id="39" name="Прямая соединительная линия 38"/>
+            <p:cNvCxnSpPr>
+              <a:stCxn id="3" idx="2"/>
+              <a:endCxn id="10" idx="0"/>
+            </p:cNvCxnSpPr>
+            <p:nvPr/>
+          </p:nvCxnSpPr>
+          <p:spPr>
+            <a:xfrm>
+              <a:off x="6096000" y="1791478"/>
+              <a:ext cx="4124130" cy="405881"/>
+            </a:xfrm>
+            <a:prstGeom prst="line">
+              <a:avLst/>
+            </a:prstGeom>
+          </p:spPr>
+          <p:style>
+            <a:lnRef idx="1">
+              <a:schemeClr val="dk1"/>
+            </a:lnRef>
+            <a:fillRef idx="0">
+              <a:schemeClr val="dk1"/>
+            </a:fillRef>
+            <a:effectRef idx="0">
+              <a:schemeClr val="dk1"/>
+            </a:effectRef>
+            <a:fontRef idx="minor">
+              <a:schemeClr val="tx1"/>
+            </a:fontRef>
+          </p:style>
+        </p:cxnSp>
+      </p:grpSp>
     </p:spTree>
     <p:extLst>
       <p:ext uri="{BB962C8B-B14F-4D97-AF65-F5344CB8AC3E}">
-        <p14:creationId xmlns:p14="http://schemas.microsoft.com/office/powerpoint/2010/main" val="2047901155"/>
+        <p14:creationId xmlns:p14="http://schemas.microsoft.com/office/powerpoint/2010/main" val="3505323342"/>
       </p:ext>
     </p:extLst>
   </p:cSld>
